--- a/PiAndMore/Part-1--Breadboard/PiAndMore workshop physical computing with Arduino - part 1 - Breadboard v0.1.pptx
+++ b/PiAndMore/Part-1--Breadboard/PiAndMore workshop physical computing with Arduino - part 1 - Breadboard v0.1.pptx
@@ -5,7 +5,7 @@
     <p:sldMasterId id="2147483672" r:id="rId1"/>
   </p:sldMasterIdLst>
   <p:notesMasterIdLst>
-    <p:notesMasterId r:id="rId29"/>
+    <p:notesMasterId r:id="rId31"/>
   </p:notesMasterIdLst>
   <p:sldIdLst>
     <p:sldId id="256" r:id="rId2"/>
@@ -17,24 +17,26 @@
     <p:sldId id="277" r:id="rId8"/>
     <p:sldId id="258" r:id="rId9"/>
     <p:sldId id="281" r:id="rId10"/>
-    <p:sldId id="262" r:id="rId11"/>
-    <p:sldId id="263" r:id="rId12"/>
-    <p:sldId id="259" r:id="rId13"/>
-    <p:sldId id="260" r:id="rId14"/>
-    <p:sldId id="264" r:id="rId15"/>
+    <p:sldId id="263" r:id="rId11"/>
+    <p:sldId id="259" r:id="rId12"/>
+    <p:sldId id="260" r:id="rId13"/>
+    <p:sldId id="264" r:id="rId14"/>
+    <p:sldId id="283" r:id="rId15"/>
     <p:sldId id="261" r:id="rId16"/>
-    <p:sldId id="266" r:id="rId17"/>
-    <p:sldId id="267" r:id="rId18"/>
-    <p:sldId id="268" r:id="rId19"/>
-    <p:sldId id="269" r:id="rId20"/>
-    <p:sldId id="270" r:id="rId21"/>
-    <p:sldId id="271" r:id="rId22"/>
-    <p:sldId id="272" r:id="rId23"/>
-    <p:sldId id="273" r:id="rId24"/>
-    <p:sldId id="274" r:id="rId25"/>
-    <p:sldId id="275" r:id="rId26"/>
-    <p:sldId id="276" r:id="rId27"/>
-    <p:sldId id="282" r:id="rId28"/>
+    <p:sldId id="284" r:id="rId17"/>
+    <p:sldId id="286" r:id="rId18"/>
+    <p:sldId id="285" r:id="rId19"/>
+    <p:sldId id="288" r:id="rId20"/>
+    <p:sldId id="287" r:id="rId21"/>
+    <p:sldId id="289" r:id="rId22"/>
+    <p:sldId id="290" r:id="rId23"/>
+    <p:sldId id="291" r:id="rId24"/>
+    <p:sldId id="269" r:id="rId25"/>
+    <p:sldId id="271" r:id="rId26"/>
+    <p:sldId id="270" r:id="rId27"/>
+    <p:sldId id="272" r:id="rId28"/>
+    <p:sldId id="276" r:id="rId29"/>
+    <p:sldId id="282" r:id="rId30"/>
   </p:sldIdLst>
   <p:sldSz cx="9144000" cy="5143500" type="screen16x9"/>
   <p:notesSz cx="6858000" cy="9144000"/>
@@ -219,7 +221,7 @@
             <a:fld id="{DB6A203D-5BB1-439B-9A8B-0C4974EC0C08}" type="datetimeFigureOut">
               <a:rPr lang="nl-NL" smtClean="0"/>
               <a:pPr/>
-              <a:t>13-1-2017</a:t>
+              <a:t>14-1-2017</a:t>
             </a:fld>
             <a:endParaRPr lang="nl-NL"/>
           </a:p>
@@ -3250,7 +3252,7 @@
           <a:p>
             <a:r>
               <a:rPr lang="en-US" dirty="0" smtClean="0"/>
-              <a:t>What do you have at your desk?</a:t>
+              <a:t>Where is the presentation?</a:t>
             </a:r>
             <a:endParaRPr lang="nl-NL" dirty="0"/>
           </a:p>
@@ -3271,7 +3273,38 @@
           <a:bodyPr/>
           <a:lstStyle/>
           <a:p>
-            <a:endParaRPr lang="nl-NL"/>
+            <a:r>
+              <a:rPr lang="en-US" dirty="0" smtClean="0"/>
+              <a:t>You will find this presentation = the instruction at your desktop in </a:t>
+            </a:r>
+            <a:r>
+              <a:rPr lang="en-US" i="1" dirty="0" err="1" smtClean="0"/>
+              <a:t>PiAndMore</a:t>
+            </a:r>
+            <a:r>
+              <a:rPr lang="en-US" i="1" dirty="0" smtClean="0"/>
+              <a:t>/Part-1--Breadboard</a:t>
+            </a:r>
+          </a:p>
+          <a:p>
+            <a:r>
+              <a:rPr lang="en-US" dirty="0" smtClean="0"/>
+              <a:t>If you already know the stuff and get bored then feel free to work on your own</a:t>
+            </a:r>
+          </a:p>
+          <a:p>
+            <a:pPr lvl="1"/>
+            <a:r>
+              <a:rPr lang="en-US" dirty="0" smtClean="0"/>
+              <a:t>Silently please … </a:t>
+            </a:r>
+            <a:r>
+              <a:rPr lang="en-US" dirty="0" smtClean="0">
+                <a:sym typeface="Wingdings" pitchFamily="2" charset="2"/>
+              </a:rPr>
+              <a:t></a:t>
+            </a:r>
+            <a:endParaRPr lang="nl-NL" dirty="0"/>
           </a:p>
         </p:txBody>
       </p:sp>
@@ -3317,7 +3350,7 @@
           <a:p>
             <a:r>
               <a:rPr lang="en-US" dirty="0" smtClean="0"/>
-              <a:t>Where is the presentation?</a:t>
+              <a:t>Breadboard</a:t>
             </a:r>
             <a:endParaRPr lang="nl-NL" dirty="0"/>
           </a:p>
@@ -3333,50 +3366,90 @@
             <p:ph idx="1"/>
           </p:nvPr>
         </p:nvSpPr>
-        <p:spPr/>
-        <p:txBody>
-          <a:bodyPr/>
-          <a:lstStyle/>
-          <a:p>
-            <a:r>
-              <a:rPr lang="en-US" dirty="0" smtClean="0"/>
-              <a:t>You will find this presentation = the instruction at your desktop in </a:t>
-            </a:r>
-            <a:r>
-              <a:rPr lang="en-US" i="1" dirty="0" err="1" smtClean="0"/>
-              <a:t>PiAndMore</a:t>
-            </a:r>
-            <a:r>
-              <a:rPr lang="en-US" i="1" dirty="0" smtClean="0"/>
-              <a:t>/Part-1--Breadboard</a:t>
-            </a:r>
-          </a:p>
-          <a:p>
-            <a:r>
-              <a:rPr lang="en-US" dirty="0" smtClean="0"/>
-              <a:t>If you already know the stuff and get bored then feel free to work on your own</a:t>
-            </a:r>
-          </a:p>
-          <a:p>
-            <a:pPr lvl="1"/>
-            <a:r>
-              <a:rPr lang="en-US" dirty="0" smtClean="0"/>
-              <a:t>Silently </a:t>
-            </a:r>
-            <a:r>
-              <a:rPr lang="en-US" dirty="0" smtClean="0"/>
-              <a:t>please … </a:t>
-            </a:r>
-            <a:r>
-              <a:rPr lang="en-US" dirty="0" smtClean="0">
-                <a:sym typeface="Wingdings" pitchFamily="2" charset="2"/>
-              </a:rPr>
-              <a:t></a:t>
-            </a:r>
-            <a:endParaRPr lang="nl-NL" dirty="0"/>
-          </a:p>
-        </p:txBody>
-      </p:sp>
+        <p:spPr>
+          <a:xfrm>
+            <a:off x="457200" y="1200151"/>
+            <a:ext cx="3754760" cy="2739751"/>
+          </a:xfrm>
+        </p:spPr>
+        <p:txBody>
+          <a:bodyPr>
+            <a:normAutofit/>
+          </a:bodyPr>
+          <a:lstStyle/>
+          <a:p>
+            <a:r>
+              <a:rPr lang="en-US" sz="1800" dirty="0" smtClean="0"/>
+              <a:t>Used to quickly build electronic circuits</a:t>
+            </a:r>
+          </a:p>
+          <a:p>
+            <a:r>
+              <a:rPr lang="en-US" sz="1800" dirty="0" smtClean="0"/>
+              <a:t>Note the 2 rails for + (VCC) and – (GND)</a:t>
+            </a:r>
+          </a:p>
+          <a:p>
+            <a:r>
+              <a:rPr lang="en-US" sz="1800" dirty="0" smtClean="0"/>
+              <a:t>Note the 2 bars with 5 interconnected holes each.</a:t>
+            </a:r>
+            <a:endParaRPr lang="nl-NL" sz="1800" dirty="0"/>
+          </a:p>
+        </p:txBody>
+      </p:sp>
+      <p:pic>
+        <p:nvPicPr>
+          <p:cNvPr id="1027" name="Picture 3" descr="C:\Users\M5810video\Documents\Weekendschool\Github\Weekendschool-PiAndMore\PiAndMore\Part-1--Breadboard\Breadboard.png"/>
+          <p:cNvPicPr>
+            <a:picLocks noChangeAspect="1" noChangeArrowheads="1"/>
+          </p:cNvPicPr>
+          <p:nvPr/>
+        </p:nvPicPr>
+        <p:blipFill>
+          <a:blip r:embed="rId2" cstate="print"/>
+          <a:srcRect/>
+          <a:stretch>
+            <a:fillRect/>
+          </a:stretch>
+        </p:blipFill>
+        <p:spPr bwMode="auto">
+          <a:xfrm>
+            <a:off x="4211960" y="1122228"/>
+            <a:ext cx="4821480" cy="3537754"/>
+          </a:xfrm>
+          <a:prstGeom prst="rect">
+            <a:avLst/>
+          </a:prstGeom>
+          <a:noFill/>
+        </p:spPr>
+      </p:pic>
+      <p:pic>
+        <p:nvPicPr>
+          <p:cNvPr id="1028" name="Picture 4" descr="C:\Users\M5810video\Documents\Weekendschool\Github\Weekendschool-PiAndMore\PiAndMore\Part-1--Breadboard\mb-400.jpg"/>
+          <p:cNvPicPr>
+            <a:picLocks noChangeAspect="1" noChangeArrowheads="1"/>
+          </p:cNvPicPr>
+          <p:nvPr/>
+        </p:nvPicPr>
+        <p:blipFill>
+          <a:blip r:embed="rId3" cstate="print"/>
+          <a:srcRect l="8401" t="23495" r="9385" b="21223"/>
+          <a:stretch>
+            <a:fillRect/>
+          </a:stretch>
+        </p:blipFill>
+        <p:spPr bwMode="auto">
+          <a:xfrm>
+            <a:off x="1187624" y="3003798"/>
+            <a:ext cx="2570131" cy="1728192"/>
+          </a:xfrm>
+          <a:prstGeom prst="rect">
+            <a:avLst/>
+          </a:prstGeom>
+          <a:noFill/>
+        </p:spPr>
+      </p:pic>
     </p:spTree>
   </p:cSld>
   <p:clrMapOvr>
@@ -3414,62 +3487,38 @@
         </p:nvSpPr>
         <p:spPr/>
         <p:txBody>
-          <a:bodyPr/>
-          <a:lstStyle/>
-          <a:p>
-            <a:r>
-              <a:rPr lang="en-US" dirty="0" smtClean="0"/>
-              <a:t>Breadboard</a:t>
+          <a:bodyPr>
+            <a:normAutofit fontScale="90000"/>
+          </a:bodyPr>
+          <a:lstStyle/>
+          <a:p>
+            <a:r>
+              <a:rPr lang="en-US" dirty="0" smtClean="0"/>
+              <a:t>Looking at the </a:t>
+            </a:r>
+            <a:r>
+              <a:rPr lang="en-US" dirty="0" err="1" smtClean="0"/>
+              <a:t>Arduino</a:t>
+            </a:r>
+            <a:r>
+              <a:rPr lang="en-US" dirty="0" smtClean="0"/>
+              <a:t> </a:t>
+            </a:r>
+            <a:r>
+              <a:rPr lang="en-US" dirty="0" err="1" smtClean="0"/>
+              <a:t>Nano</a:t>
+            </a:r>
+            <a:r>
+              <a:rPr lang="en-US" dirty="0" smtClean="0"/>
+              <a:t> extension board</a:t>
             </a:r>
             <a:endParaRPr lang="nl-NL" dirty="0"/>
-          </a:p>
-        </p:txBody>
-      </p:sp>
-      <p:sp>
-        <p:nvSpPr>
-          <p:cNvPr id="3" name="Tijdelijke aanduiding voor inhoud 2"/>
-          <p:cNvSpPr>
-            <a:spLocks noGrp="1"/>
-          </p:cNvSpPr>
-          <p:nvPr>
-            <p:ph idx="1"/>
-          </p:nvPr>
-        </p:nvSpPr>
-        <p:spPr>
-          <a:xfrm>
-            <a:off x="457200" y="1200151"/>
-            <a:ext cx="3754760" cy="2739751"/>
-          </a:xfrm>
-        </p:spPr>
-        <p:txBody>
-          <a:bodyPr>
-            <a:normAutofit/>
-          </a:bodyPr>
-          <a:lstStyle/>
-          <a:p>
-            <a:r>
-              <a:rPr lang="en-US" sz="1800" dirty="0" smtClean="0"/>
-              <a:t>Used to quickly build electronic circuits</a:t>
-            </a:r>
-          </a:p>
-          <a:p>
-            <a:r>
-              <a:rPr lang="en-US" sz="1800" dirty="0" smtClean="0"/>
-              <a:t>Note the 2 rails for + (VCC) and – (GND)</a:t>
-            </a:r>
-          </a:p>
-          <a:p>
-            <a:r>
-              <a:rPr lang="en-US" sz="1800" dirty="0" smtClean="0"/>
-              <a:t>Note the 2 bars with 5 interconnected holes each.</a:t>
-            </a:r>
-            <a:endParaRPr lang="nl-NL" sz="1800" dirty="0"/>
           </a:p>
         </p:txBody>
       </p:sp>
       <p:pic>
         <p:nvPicPr>
-          <p:cNvPr id="1027" name="Picture 3" descr="C:\Users\M5810video\Documents\Weekendschool\Github\Weekendschool-PiAndMore\PiAndMore\Part-1--Breadboard\Breadboard.png"/>
+          <p:cNvPr id="4" name="Picture 2" descr="C:\Users\M5810video\Documents\Weekendschool\Pi And More\Funduino shield.JPG"/>
           <p:cNvPicPr>
             <a:picLocks noChangeAspect="1" noChangeArrowheads="1"/>
           </p:cNvPicPr>
@@ -3483,9 +3532,9 @@
           </a:stretch>
         </p:blipFill>
         <p:spPr bwMode="auto">
-          <a:xfrm>
-            <a:off x="4211960" y="1122228"/>
-            <a:ext cx="4821480" cy="3537754"/>
+          <a:xfrm rot="10800000">
+            <a:off x="1907704" y="1419622"/>
+            <a:ext cx="3495367" cy="3071044"/>
           </a:xfrm>
           <a:prstGeom prst="rect">
             <a:avLst/>
@@ -3495,7 +3544,7 @@
       </p:pic>
       <p:pic>
         <p:nvPicPr>
-          <p:cNvPr id="1028" name="Picture 4" descr="C:\Users\M5810video\Documents\Weekendschool\Github\Weekendschool-PiAndMore\PiAndMore\Part-1--Breadboard\mb-400.jpg"/>
+          <p:cNvPr id="2050" name="Picture 2"/>
           <p:cNvPicPr>
             <a:picLocks noChangeAspect="1" noChangeArrowheads="1"/>
           </p:cNvPicPr>
@@ -3503,22 +3552,758 @@
         </p:nvPicPr>
         <p:blipFill>
           <a:blip r:embed="rId3" cstate="print"/>
-          <a:srcRect l="8401" t="23495" r="9385" b="21223"/>
+          <a:srcRect/>
           <a:stretch>
             <a:fillRect/>
           </a:stretch>
         </p:blipFill>
         <p:spPr bwMode="auto">
-          <a:xfrm>
-            <a:off x="1187624" y="3003798"/>
-            <a:ext cx="2570131" cy="1728192"/>
+          <a:xfrm rot="10800000">
+            <a:off x="5868144" y="2452876"/>
+            <a:ext cx="2520280" cy="1082536"/>
           </a:xfrm>
           <a:prstGeom prst="rect">
             <a:avLst/>
           </a:prstGeom>
           <a:noFill/>
+          <a:ln w="9525">
+            <a:noFill/>
+            <a:miter lim="800000"/>
+            <a:headEnd/>
+            <a:tailEnd/>
+          </a:ln>
         </p:spPr>
       </p:pic>
+      <p:sp>
+        <p:nvSpPr>
+          <p:cNvPr id="6" name="Tekstvak 5"/>
+          <p:cNvSpPr txBox="1"/>
+          <p:nvPr/>
+        </p:nvSpPr>
+        <p:spPr>
+          <a:xfrm>
+            <a:off x="5796136" y="1059582"/>
+            <a:ext cx="2160240" cy="369332"/>
+          </a:xfrm>
+          <a:prstGeom prst="rect">
+            <a:avLst/>
+          </a:prstGeom>
+          <a:noFill/>
+        </p:spPr>
+        <p:txBody>
+          <a:bodyPr wrap="square" rtlCol="0">
+            <a:spAutoFit/>
+          </a:bodyPr>
+          <a:lstStyle/>
+          <a:p>
+            <a:r>
+              <a:rPr lang="en-US" dirty="0" smtClean="0"/>
+              <a:t>9V power socket</a:t>
+            </a:r>
+            <a:endParaRPr lang="nl-NL" dirty="0"/>
+          </a:p>
+        </p:txBody>
+      </p:sp>
+      <p:sp>
+        <p:nvSpPr>
+          <p:cNvPr id="9" name="Tekstvak 8"/>
+          <p:cNvSpPr txBox="1"/>
+          <p:nvPr/>
+        </p:nvSpPr>
+        <p:spPr>
+          <a:xfrm>
+            <a:off x="6372200" y="1563638"/>
+            <a:ext cx="2160240" cy="646331"/>
+          </a:xfrm>
+          <a:prstGeom prst="rect">
+            <a:avLst/>
+          </a:prstGeom>
+          <a:noFill/>
+        </p:spPr>
+        <p:txBody>
+          <a:bodyPr wrap="square" rtlCol="0">
+            <a:spAutoFit/>
+          </a:bodyPr>
+          <a:lstStyle/>
+          <a:p>
+            <a:r>
+              <a:rPr lang="en-US" dirty="0" err="1" smtClean="0"/>
+              <a:t>Arduino</a:t>
+            </a:r>
+            <a:r>
+              <a:rPr lang="en-US" dirty="0" smtClean="0"/>
+              <a:t> </a:t>
+            </a:r>
+            <a:r>
+              <a:rPr lang="en-US" dirty="0" err="1" smtClean="0"/>
+              <a:t>Nano</a:t>
+            </a:r>
+            <a:r>
+              <a:rPr lang="en-US" dirty="0" smtClean="0"/>
+              <a:t> with 328P processor</a:t>
+            </a:r>
+            <a:endParaRPr lang="nl-NL" dirty="0"/>
+          </a:p>
+        </p:txBody>
+      </p:sp>
+      <p:sp>
+        <p:nvSpPr>
+          <p:cNvPr id="13" name="Tekstvak 12"/>
+          <p:cNvSpPr txBox="1"/>
+          <p:nvPr/>
+        </p:nvSpPr>
+        <p:spPr>
+          <a:xfrm>
+            <a:off x="6516216" y="3795886"/>
+            <a:ext cx="2160240" cy="369332"/>
+          </a:xfrm>
+          <a:prstGeom prst="rect">
+            <a:avLst/>
+          </a:prstGeom>
+          <a:noFill/>
+        </p:spPr>
+        <p:txBody>
+          <a:bodyPr wrap="square" rtlCol="0">
+            <a:spAutoFit/>
+          </a:bodyPr>
+          <a:lstStyle/>
+          <a:p>
+            <a:pPr algn="r"/>
+            <a:r>
+              <a:rPr lang="en-US" dirty="0" smtClean="0"/>
+              <a:t>Micro USB port</a:t>
+            </a:r>
+            <a:endParaRPr lang="nl-NL" dirty="0"/>
+          </a:p>
+        </p:txBody>
+      </p:sp>
+      <p:sp>
+        <p:nvSpPr>
+          <p:cNvPr id="17" name="Tekstvak 16"/>
+          <p:cNvSpPr txBox="1"/>
+          <p:nvPr/>
+        </p:nvSpPr>
+        <p:spPr>
+          <a:xfrm>
+            <a:off x="0" y="1131590"/>
+            <a:ext cx="2411760" cy="1569660"/>
+          </a:xfrm>
+          <a:prstGeom prst="rect">
+            <a:avLst/>
+          </a:prstGeom>
+          <a:noFill/>
+        </p:spPr>
+        <p:txBody>
+          <a:bodyPr wrap="square" rtlCol="0">
+            <a:spAutoFit/>
+          </a:bodyPr>
+          <a:lstStyle/>
+          <a:p>
+            <a:r>
+              <a:rPr lang="en-US" sz="1600" dirty="0" smtClean="0"/>
+              <a:t>Per GPIO signal 3 headers: </a:t>
+            </a:r>
+          </a:p>
+          <a:p>
+            <a:r>
+              <a:rPr lang="en-US" sz="1600" dirty="0" smtClean="0"/>
+              <a:t>S (blue = signal)</a:t>
+            </a:r>
+          </a:p>
+          <a:p>
+            <a:r>
+              <a:rPr lang="en-US" sz="1600" dirty="0" smtClean="0"/>
+              <a:t>V (red = VCC = +) </a:t>
+            </a:r>
+          </a:p>
+          <a:p>
+            <a:r>
+              <a:rPr lang="en-US" sz="1600" dirty="0" smtClean="0"/>
+              <a:t>G (black = GND = -)</a:t>
+            </a:r>
+          </a:p>
+          <a:p>
+            <a:r>
+              <a:rPr lang="en-US" sz="1600" i="1" dirty="0" smtClean="0"/>
+              <a:t>(very handy to e.g. </a:t>
+            </a:r>
+          </a:p>
+          <a:p>
+            <a:r>
+              <a:rPr lang="en-US" sz="1600" i="1" dirty="0" smtClean="0"/>
+              <a:t>connect servos) </a:t>
+            </a:r>
+          </a:p>
+        </p:txBody>
+      </p:sp>
+      <p:cxnSp>
+        <p:nvCxnSpPr>
+          <p:cNvPr id="18" name="Rechte verbindingslijn met pijl 17"/>
+          <p:cNvCxnSpPr/>
+          <p:nvPr/>
+        </p:nvCxnSpPr>
+        <p:spPr>
+          <a:xfrm>
+            <a:off x="1619672" y="1779662"/>
+            <a:ext cx="720080" cy="288032"/>
+          </a:xfrm>
+          <a:prstGeom prst="straightConnector1">
+            <a:avLst/>
+          </a:prstGeom>
+          <a:ln w="50800">
+            <a:solidFill>
+              <a:srgbClr val="00B050"/>
+            </a:solidFill>
+            <a:tailEnd type="arrow"/>
+          </a:ln>
+          <a:effectLst>
+            <a:outerShdw blurRad="50800" dist="38100" dir="2700000" algn="tl" rotWithShape="0">
+              <a:prstClr val="black">
+                <a:alpha val="40000"/>
+              </a:prstClr>
+            </a:outerShdw>
+          </a:effectLst>
+        </p:spPr>
+        <p:style>
+          <a:lnRef idx="1">
+            <a:schemeClr val="accent1"/>
+          </a:lnRef>
+          <a:fillRef idx="0">
+            <a:schemeClr val="accent1"/>
+          </a:fillRef>
+          <a:effectRef idx="0">
+            <a:schemeClr val="accent1"/>
+          </a:effectRef>
+          <a:fontRef idx="minor">
+            <a:schemeClr val="tx1"/>
+          </a:fontRef>
+        </p:style>
+      </p:cxnSp>
+      <p:cxnSp>
+        <p:nvCxnSpPr>
+          <p:cNvPr id="22" name="Rechte verbindingslijn met pijl 21"/>
+          <p:cNvCxnSpPr/>
+          <p:nvPr/>
+        </p:nvCxnSpPr>
+        <p:spPr>
+          <a:xfrm>
+            <a:off x="1763688" y="2067694"/>
+            <a:ext cx="504056" cy="144016"/>
+          </a:xfrm>
+          <a:prstGeom prst="straightConnector1">
+            <a:avLst/>
+          </a:prstGeom>
+          <a:ln w="50800">
+            <a:solidFill>
+              <a:srgbClr val="00B050"/>
+            </a:solidFill>
+            <a:tailEnd type="arrow"/>
+          </a:ln>
+          <a:effectLst>
+            <a:outerShdw blurRad="50800" dist="38100" dir="2700000" algn="tl" rotWithShape="0">
+              <a:prstClr val="black">
+                <a:alpha val="40000"/>
+              </a:prstClr>
+            </a:outerShdw>
+          </a:effectLst>
+        </p:spPr>
+        <p:style>
+          <a:lnRef idx="1">
+            <a:schemeClr val="accent1"/>
+          </a:lnRef>
+          <a:fillRef idx="0">
+            <a:schemeClr val="accent1"/>
+          </a:fillRef>
+          <a:effectRef idx="0">
+            <a:schemeClr val="accent1"/>
+          </a:effectRef>
+          <a:fontRef idx="minor">
+            <a:schemeClr val="tx1"/>
+          </a:fontRef>
+        </p:style>
+      </p:cxnSp>
+      <p:cxnSp>
+        <p:nvCxnSpPr>
+          <p:cNvPr id="24" name="Rechte verbindingslijn met pijl 23"/>
+          <p:cNvCxnSpPr/>
+          <p:nvPr/>
+        </p:nvCxnSpPr>
+        <p:spPr>
+          <a:xfrm>
+            <a:off x="1403648" y="1563638"/>
+            <a:ext cx="1152128" cy="360040"/>
+          </a:xfrm>
+          <a:prstGeom prst="straightConnector1">
+            <a:avLst/>
+          </a:prstGeom>
+          <a:ln w="50800">
+            <a:solidFill>
+              <a:srgbClr val="00B050"/>
+            </a:solidFill>
+            <a:tailEnd type="arrow"/>
+          </a:ln>
+          <a:effectLst>
+            <a:outerShdw blurRad="50800" dist="38100" dir="2700000" algn="tl" rotWithShape="0">
+              <a:prstClr val="black">
+                <a:alpha val="40000"/>
+              </a:prstClr>
+            </a:outerShdw>
+          </a:effectLst>
+        </p:spPr>
+        <p:style>
+          <a:lnRef idx="1">
+            <a:schemeClr val="accent1"/>
+          </a:lnRef>
+          <a:fillRef idx="0">
+            <a:schemeClr val="accent1"/>
+          </a:fillRef>
+          <a:effectRef idx="0">
+            <a:schemeClr val="accent1"/>
+          </a:effectRef>
+          <a:fontRef idx="minor">
+            <a:schemeClr val="tx1"/>
+          </a:fontRef>
+        </p:style>
+      </p:cxnSp>
+      <p:cxnSp>
+        <p:nvCxnSpPr>
+          <p:cNvPr id="36" name="Rechte verbindingslijn met pijl 35"/>
+          <p:cNvCxnSpPr>
+            <a:stCxn id="6" idx="1"/>
+          </p:cNvCxnSpPr>
+          <p:nvPr/>
+        </p:nvCxnSpPr>
+        <p:spPr>
+          <a:xfrm flipH="1">
+            <a:off x="5364088" y="1244248"/>
+            <a:ext cx="432048" cy="535414"/>
+          </a:xfrm>
+          <a:prstGeom prst="straightConnector1">
+            <a:avLst/>
+          </a:prstGeom>
+          <a:ln w="50800">
+            <a:solidFill>
+              <a:srgbClr val="00B050"/>
+            </a:solidFill>
+            <a:tailEnd type="arrow"/>
+          </a:ln>
+          <a:effectLst>
+            <a:outerShdw blurRad="50800" dist="38100" dir="2700000" algn="tl" rotWithShape="0">
+              <a:prstClr val="black">
+                <a:alpha val="40000"/>
+              </a:prstClr>
+            </a:outerShdw>
+          </a:effectLst>
+        </p:spPr>
+        <p:style>
+          <a:lnRef idx="1">
+            <a:schemeClr val="accent1"/>
+          </a:lnRef>
+          <a:fillRef idx="0">
+            <a:schemeClr val="accent1"/>
+          </a:fillRef>
+          <a:effectRef idx="0">
+            <a:schemeClr val="accent1"/>
+          </a:effectRef>
+          <a:fontRef idx="minor">
+            <a:schemeClr val="tx1"/>
+          </a:fontRef>
+        </p:style>
+      </p:cxnSp>
+      <p:cxnSp>
+        <p:nvCxnSpPr>
+          <p:cNvPr id="39" name="Rechte verbindingslijn met pijl 38"/>
+          <p:cNvCxnSpPr/>
+          <p:nvPr/>
+        </p:nvCxnSpPr>
+        <p:spPr>
+          <a:xfrm>
+            <a:off x="7236296" y="2139702"/>
+            <a:ext cx="0" cy="288032"/>
+          </a:xfrm>
+          <a:prstGeom prst="straightConnector1">
+            <a:avLst/>
+          </a:prstGeom>
+          <a:ln w="50800">
+            <a:solidFill>
+              <a:srgbClr val="00B050"/>
+            </a:solidFill>
+            <a:tailEnd type="arrow"/>
+          </a:ln>
+          <a:effectLst>
+            <a:outerShdw blurRad="50800" dist="38100" dir="2700000" algn="tl" rotWithShape="0">
+              <a:prstClr val="black">
+                <a:alpha val="40000"/>
+              </a:prstClr>
+            </a:outerShdw>
+          </a:effectLst>
+        </p:spPr>
+        <p:style>
+          <a:lnRef idx="1">
+            <a:schemeClr val="accent1"/>
+          </a:lnRef>
+          <a:fillRef idx="0">
+            <a:schemeClr val="accent1"/>
+          </a:fillRef>
+          <a:effectRef idx="0">
+            <a:schemeClr val="accent1"/>
+          </a:effectRef>
+          <a:fontRef idx="minor">
+            <a:schemeClr val="tx1"/>
+          </a:fontRef>
+        </p:style>
+      </p:cxnSp>
+      <p:cxnSp>
+        <p:nvCxnSpPr>
+          <p:cNvPr id="42" name="Rechte verbindingslijn met pijl 41"/>
+          <p:cNvCxnSpPr/>
+          <p:nvPr/>
+        </p:nvCxnSpPr>
+        <p:spPr>
+          <a:xfrm flipV="1">
+            <a:off x="8244408" y="3179172"/>
+            <a:ext cx="0" cy="688722"/>
+          </a:xfrm>
+          <a:prstGeom prst="straightConnector1">
+            <a:avLst/>
+          </a:prstGeom>
+          <a:ln w="50800">
+            <a:solidFill>
+              <a:srgbClr val="00B050"/>
+            </a:solidFill>
+            <a:tailEnd type="arrow"/>
+          </a:ln>
+          <a:effectLst>
+            <a:outerShdw blurRad="50800" dist="38100" dir="2700000" algn="tl" rotWithShape="0">
+              <a:prstClr val="black">
+                <a:alpha val="40000"/>
+              </a:prstClr>
+            </a:outerShdw>
+          </a:effectLst>
+        </p:spPr>
+        <p:style>
+          <a:lnRef idx="1">
+            <a:schemeClr val="accent1"/>
+          </a:lnRef>
+          <a:fillRef idx="0">
+            <a:schemeClr val="accent1"/>
+          </a:fillRef>
+          <a:effectRef idx="0">
+            <a:schemeClr val="accent1"/>
+          </a:effectRef>
+          <a:fontRef idx="minor">
+            <a:schemeClr val="tx1"/>
+          </a:fontRef>
+        </p:style>
+      </p:cxnSp>
+      <p:sp>
+        <p:nvSpPr>
+          <p:cNvPr id="44" name="Tekstvak 43"/>
+          <p:cNvSpPr txBox="1"/>
+          <p:nvPr/>
+        </p:nvSpPr>
+        <p:spPr>
+          <a:xfrm>
+            <a:off x="2411760" y="4659982"/>
+            <a:ext cx="2160240" cy="369332"/>
+          </a:xfrm>
+          <a:prstGeom prst="rect">
+            <a:avLst/>
+          </a:prstGeom>
+          <a:noFill/>
+        </p:spPr>
+        <p:txBody>
+          <a:bodyPr wrap="square" rtlCol="0">
+            <a:spAutoFit/>
+          </a:bodyPr>
+          <a:lstStyle/>
+          <a:p>
+            <a:pPr algn="ctr"/>
+            <a:r>
+              <a:rPr lang="en-US" dirty="0" smtClean="0"/>
+              <a:t>Digital ports</a:t>
+            </a:r>
+            <a:endParaRPr lang="nl-NL" dirty="0"/>
+          </a:p>
+        </p:txBody>
+      </p:sp>
+      <p:sp>
+        <p:nvSpPr>
+          <p:cNvPr id="45" name="Rechteraccolade 44"/>
+          <p:cNvSpPr/>
+          <p:nvPr/>
+        </p:nvSpPr>
+        <p:spPr>
+          <a:xfrm rot="5400000">
+            <a:off x="3383868" y="3399842"/>
+            <a:ext cx="288032" cy="2376264"/>
+          </a:xfrm>
+          <a:prstGeom prst="rightBrace">
+            <a:avLst/>
+          </a:prstGeom>
+          <a:ln w="50800">
+            <a:solidFill>
+              <a:srgbClr val="00CC66"/>
+            </a:solidFill>
+          </a:ln>
+          <a:effectLst>
+            <a:outerShdw blurRad="50800" dist="38100" dir="2700000" algn="tl" rotWithShape="0">
+              <a:prstClr val="black">
+                <a:alpha val="40000"/>
+              </a:prstClr>
+            </a:outerShdw>
+          </a:effectLst>
+        </p:spPr>
+        <p:style>
+          <a:lnRef idx="1">
+            <a:schemeClr val="accent1"/>
+          </a:lnRef>
+          <a:fillRef idx="0">
+            <a:schemeClr val="accent1"/>
+          </a:fillRef>
+          <a:effectRef idx="0">
+            <a:schemeClr val="accent1"/>
+          </a:effectRef>
+          <a:fontRef idx="minor">
+            <a:schemeClr val="tx1"/>
+          </a:fontRef>
+        </p:style>
+        <p:txBody>
+          <a:bodyPr rtlCol="0" anchor="ctr"/>
+          <a:lstStyle/>
+          <a:p>
+            <a:pPr algn="ctr"/>
+            <a:endParaRPr lang="nl-NL"/>
+          </a:p>
+        </p:txBody>
+      </p:sp>
+      <p:sp>
+        <p:nvSpPr>
+          <p:cNvPr id="46" name="Rechteraccolade 45"/>
+          <p:cNvSpPr/>
+          <p:nvPr/>
+        </p:nvSpPr>
+        <p:spPr>
+          <a:xfrm rot="16200000" flipV="1">
+            <a:off x="2735796" y="663538"/>
+            <a:ext cx="288032" cy="1224136"/>
+          </a:xfrm>
+          <a:prstGeom prst="rightBrace">
+            <a:avLst/>
+          </a:prstGeom>
+          <a:ln w="50800">
+            <a:solidFill>
+              <a:srgbClr val="00CC66"/>
+            </a:solidFill>
+          </a:ln>
+          <a:effectLst>
+            <a:outerShdw blurRad="50800" dist="38100" dir="2700000" algn="tl" rotWithShape="0">
+              <a:prstClr val="black">
+                <a:alpha val="40000"/>
+              </a:prstClr>
+            </a:outerShdw>
+          </a:effectLst>
+        </p:spPr>
+        <p:style>
+          <a:lnRef idx="1">
+            <a:schemeClr val="accent1"/>
+          </a:lnRef>
+          <a:fillRef idx="0">
+            <a:schemeClr val="accent1"/>
+          </a:fillRef>
+          <a:effectRef idx="0">
+            <a:schemeClr val="accent1"/>
+          </a:effectRef>
+          <a:fontRef idx="minor">
+            <a:schemeClr val="tx1"/>
+          </a:fontRef>
+        </p:style>
+        <p:txBody>
+          <a:bodyPr rtlCol="0" anchor="ctr"/>
+          <a:lstStyle/>
+          <a:p>
+            <a:pPr algn="ctr"/>
+            <a:endParaRPr lang="nl-NL"/>
+          </a:p>
+        </p:txBody>
+      </p:sp>
+      <p:sp>
+        <p:nvSpPr>
+          <p:cNvPr id="47" name="Tekstvak 46"/>
+          <p:cNvSpPr txBox="1"/>
+          <p:nvPr/>
+        </p:nvSpPr>
+        <p:spPr>
+          <a:xfrm>
+            <a:off x="1835696" y="699542"/>
+            <a:ext cx="2160240" cy="369332"/>
+          </a:xfrm>
+          <a:prstGeom prst="rect">
+            <a:avLst/>
+          </a:prstGeom>
+          <a:noFill/>
+        </p:spPr>
+        <p:txBody>
+          <a:bodyPr wrap="square" rtlCol="0">
+            <a:spAutoFit/>
+          </a:bodyPr>
+          <a:lstStyle/>
+          <a:p>
+            <a:pPr algn="ctr"/>
+            <a:r>
+              <a:rPr lang="en-US" dirty="0" smtClean="0"/>
+              <a:t>Analog ports</a:t>
+            </a:r>
+            <a:endParaRPr lang="nl-NL" dirty="0"/>
+          </a:p>
+        </p:txBody>
+      </p:sp>
+      <p:sp>
+        <p:nvSpPr>
+          <p:cNvPr id="48" name="Tekstvak 47"/>
+          <p:cNvSpPr txBox="1"/>
+          <p:nvPr/>
+        </p:nvSpPr>
+        <p:spPr>
+          <a:xfrm>
+            <a:off x="6804248" y="4227934"/>
+            <a:ext cx="1440160" cy="369332"/>
+          </a:xfrm>
+          <a:prstGeom prst="rect">
+            <a:avLst/>
+          </a:prstGeom>
+          <a:noFill/>
+        </p:spPr>
+        <p:txBody>
+          <a:bodyPr wrap="square" rtlCol="0">
+            <a:spAutoFit/>
+          </a:bodyPr>
+          <a:lstStyle/>
+          <a:p>
+            <a:r>
+              <a:rPr lang="en-US" dirty="0" smtClean="0"/>
+              <a:t>Reset button</a:t>
+            </a:r>
+            <a:endParaRPr lang="nl-NL" dirty="0"/>
+          </a:p>
+        </p:txBody>
+      </p:sp>
+      <p:cxnSp>
+        <p:nvCxnSpPr>
+          <p:cNvPr id="49" name="Rechte verbindingslijn met pijl 48"/>
+          <p:cNvCxnSpPr/>
+          <p:nvPr/>
+        </p:nvCxnSpPr>
+        <p:spPr>
+          <a:xfrm flipV="1">
+            <a:off x="6876256" y="3147814"/>
+            <a:ext cx="0" cy="1152128"/>
+          </a:xfrm>
+          <a:prstGeom prst="straightConnector1">
+            <a:avLst/>
+          </a:prstGeom>
+          <a:ln w="50800">
+            <a:solidFill>
+              <a:srgbClr val="00B050"/>
+            </a:solidFill>
+            <a:tailEnd type="arrow"/>
+          </a:ln>
+          <a:effectLst>
+            <a:outerShdw blurRad="50800" dist="38100" dir="2700000" algn="tl" rotWithShape="0">
+              <a:prstClr val="black">
+                <a:alpha val="40000"/>
+              </a:prstClr>
+            </a:outerShdw>
+          </a:effectLst>
+        </p:spPr>
+        <p:style>
+          <a:lnRef idx="1">
+            <a:schemeClr val="accent1"/>
+          </a:lnRef>
+          <a:fillRef idx="0">
+            <a:schemeClr val="accent1"/>
+          </a:fillRef>
+          <a:effectRef idx="0">
+            <a:schemeClr val="accent1"/>
+          </a:effectRef>
+          <a:fontRef idx="minor">
+            <a:schemeClr val="tx1"/>
+          </a:fontRef>
+        </p:style>
+      </p:cxnSp>
+      <p:sp>
+        <p:nvSpPr>
+          <p:cNvPr id="52" name="Tekstvak 51"/>
+          <p:cNvSpPr txBox="1"/>
+          <p:nvPr/>
+        </p:nvSpPr>
+        <p:spPr>
+          <a:xfrm>
+            <a:off x="5796136" y="699542"/>
+            <a:ext cx="1440160" cy="369332"/>
+          </a:xfrm>
+          <a:prstGeom prst="rect">
+            <a:avLst/>
+          </a:prstGeom>
+          <a:noFill/>
+        </p:spPr>
+        <p:txBody>
+          <a:bodyPr wrap="square" rtlCol="0">
+            <a:spAutoFit/>
+          </a:bodyPr>
+          <a:lstStyle/>
+          <a:p>
+            <a:r>
+              <a:rPr lang="en-US" dirty="0" smtClean="0"/>
+              <a:t>Reset button</a:t>
+            </a:r>
+            <a:endParaRPr lang="nl-NL" dirty="0"/>
+          </a:p>
+        </p:txBody>
+      </p:sp>
+      <p:cxnSp>
+        <p:nvCxnSpPr>
+          <p:cNvPr id="53" name="Rechte verbindingslijn met pijl 52"/>
+          <p:cNvCxnSpPr/>
+          <p:nvPr/>
+        </p:nvCxnSpPr>
+        <p:spPr>
+          <a:xfrm flipH="1">
+            <a:off x="4499992" y="915566"/>
+            <a:ext cx="1296144" cy="648072"/>
+          </a:xfrm>
+          <a:prstGeom prst="straightConnector1">
+            <a:avLst/>
+          </a:prstGeom>
+          <a:ln w="50800">
+            <a:solidFill>
+              <a:srgbClr val="00B050"/>
+            </a:solidFill>
+            <a:tailEnd type="arrow"/>
+          </a:ln>
+          <a:effectLst>
+            <a:outerShdw blurRad="50800" dist="38100" dir="2700000" algn="tl" rotWithShape="0">
+              <a:prstClr val="black">
+                <a:alpha val="40000"/>
+              </a:prstClr>
+            </a:outerShdw>
+          </a:effectLst>
+        </p:spPr>
+        <p:style>
+          <a:lnRef idx="1">
+            <a:schemeClr val="accent1"/>
+          </a:lnRef>
+          <a:fillRef idx="0">
+            <a:schemeClr val="accent1"/>
+          </a:fillRef>
+          <a:effectRef idx="0">
+            <a:schemeClr val="accent1"/>
+          </a:effectRef>
+          <a:fontRef idx="minor">
+            <a:schemeClr val="tx1"/>
+          </a:fontRef>
+        </p:style>
+      </p:cxnSp>
     </p:spTree>
   </p:cSld>
   <p:clrMapOvr>
@@ -3563,35 +4348,189 @@
           <a:p>
             <a:r>
               <a:rPr lang="en-US" dirty="0" smtClean="0"/>
-              <a:t>Looking at the </a:t>
+              <a:t>Uploading </a:t>
+            </a:r>
+            <a:r>
+              <a:rPr lang="en-US" dirty="0" err="1" smtClean="0"/>
+              <a:t>scratchClient</a:t>
+            </a:r>
+            <a:r>
+              <a:rPr lang="en-US" dirty="0" smtClean="0"/>
+              <a:t> to the </a:t>
             </a:r>
             <a:r>
               <a:rPr lang="en-US" dirty="0" err="1" smtClean="0"/>
               <a:t>Arduino</a:t>
             </a:r>
-            <a:r>
-              <a:rPr lang="en-US" dirty="0" smtClean="0"/>
+            <a:endParaRPr lang="nl-NL" dirty="0"/>
+          </a:p>
+        </p:txBody>
+      </p:sp>
+      <p:sp>
+        <p:nvSpPr>
+          <p:cNvPr id="3" name="Tijdelijke aanduiding voor inhoud 2"/>
+          <p:cNvSpPr>
+            <a:spLocks noGrp="1"/>
+          </p:cNvSpPr>
+          <p:nvPr>
+            <p:ph idx="1"/>
+          </p:nvPr>
+        </p:nvSpPr>
+        <p:spPr>
+          <a:xfrm>
+            <a:off x="457200" y="1200151"/>
+            <a:ext cx="4762872" cy="3394472"/>
+          </a:xfrm>
+        </p:spPr>
+        <p:txBody>
+          <a:bodyPr>
+            <a:normAutofit fontScale="85000" lnSpcReduction="10000"/>
+          </a:bodyPr>
+          <a:lstStyle/>
+          <a:p>
+            <a:r>
+              <a:rPr lang="en-US" sz="1800" dirty="0" smtClean="0"/>
+              <a:t>Make sure that the </a:t>
+            </a:r>
+            <a:r>
+              <a:rPr lang="en-US" sz="1800" dirty="0" err="1" smtClean="0"/>
+              <a:t>Arduino</a:t>
+            </a:r>
+            <a:r>
+              <a:rPr lang="en-US" sz="1800" dirty="0" smtClean="0"/>
+              <a:t> is directly connected to the Raspberry Pi (not via the USB hub)</a:t>
+            </a:r>
+          </a:p>
+          <a:p>
+            <a:r>
+              <a:rPr lang="en-US" sz="1800" dirty="0" smtClean="0"/>
+              <a:t>Open the </a:t>
+            </a:r>
+            <a:r>
+              <a:rPr lang="en-US" sz="1800" dirty="0" err="1" smtClean="0"/>
+              <a:t>scratchClient</a:t>
+            </a:r>
+            <a:r>
+              <a:rPr lang="en-US" sz="1800" dirty="0" smtClean="0"/>
+              <a:t> sketch for </a:t>
+            </a:r>
+            <a:r>
+              <a:rPr lang="en-US" sz="1800" dirty="0" err="1" smtClean="0"/>
+              <a:t>Arduino</a:t>
+            </a:r>
+            <a:r>
+              <a:rPr lang="en-US" sz="1800" dirty="0" smtClean="0"/>
+              <a:t> Uno</a:t>
+            </a:r>
+          </a:p>
+          <a:p>
+            <a:endParaRPr lang="en-US" sz="1800" dirty="0" smtClean="0"/>
+          </a:p>
+          <a:p>
+            <a:endParaRPr lang="en-US" sz="1800" dirty="0" smtClean="0"/>
+          </a:p>
+          <a:p>
+            <a:endParaRPr lang="en-US" sz="1800" dirty="0" smtClean="0"/>
+          </a:p>
+          <a:p>
+            <a:endParaRPr lang="en-US" sz="1800" dirty="0" smtClean="0"/>
+          </a:p>
+          <a:p>
+            <a:r>
+              <a:rPr lang="en-US" sz="1800" dirty="0" smtClean="0"/>
+              <a:t>Double click to open the </a:t>
+            </a:r>
+            <a:r>
+              <a:rPr lang="en-US" sz="1800" dirty="0" err="1" smtClean="0"/>
+              <a:t>Arduino</a:t>
+            </a:r>
+            <a:r>
+              <a:rPr lang="en-US" sz="1800" dirty="0" smtClean="0"/>
+              <a:t> IDE</a:t>
+            </a:r>
+          </a:p>
+          <a:p>
+            <a:r>
+              <a:rPr lang="en-US" sz="1800" dirty="0" smtClean="0"/>
+              <a:t>Click tools and make sure that these are set:</a:t>
+            </a:r>
+          </a:p>
+          <a:p>
+            <a:pPr lvl="1"/>
+            <a:r>
+              <a:rPr lang="en-US" sz="1400" dirty="0" smtClean="0"/>
+              <a:t>Board: </a:t>
+            </a:r>
+            <a:r>
+              <a:rPr lang="en-US" sz="1400" dirty="0" err="1" smtClean="0"/>
+              <a:t>Aruino</a:t>
+            </a:r>
+            <a:r>
+              <a:rPr lang="en-US" sz="1400" dirty="0" smtClean="0"/>
               <a:t> </a:t>
             </a:r>
             <a:r>
-              <a:rPr lang="en-US" dirty="0" err="1" smtClean="0"/>
+              <a:rPr lang="en-US" sz="1400" dirty="0" err="1" smtClean="0"/>
               <a:t>Nano</a:t>
             </a:r>
-            <a:r>
-              <a:rPr lang="en-US" dirty="0" smtClean="0"/>
+            <a:endParaRPr lang="en-US" sz="1400" dirty="0" smtClean="0"/>
+          </a:p>
+          <a:p>
+            <a:pPr lvl="1"/>
+            <a:r>
+              <a:rPr lang="en-US" sz="1400" dirty="0" smtClean="0"/>
+              <a:t>Processor Atmega328</a:t>
+            </a:r>
+          </a:p>
+          <a:p>
+            <a:pPr lvl="1"/>
+            <a:r>
+              <a:rPr lang="en-US" sz="1400" dirty="0" smtClean="0"/>
+              <a:t>Port: the port where the </a:t>
+            </a:r>
+            <a:r>
+              <a:rPr lang="en-US" sz="1400" dirty="0" err="1" smtClean="0"/>
+              <a:t>Arduino</a:t>
+            </a:r>
+            <a:r>
+              <a:rPr lang="en-US" sz="1400" dirty="0" smtClean="0"/>
               <a:t> </a:t>
             </a:r>
             <a:r>
-              <a:rPr lang="en-US" dirty="0" smtClean="0"/>
-              <a:t>extension board</a:t>
-            </a:r>
-            <a:endParaRPr lang="nl-NL" dirty="0"/>
+              <a:rPr lang="en-US" sz="1400" dirty="0" err="1" smtClean="0"/>
+              <a:t>Nano</a:t>
+            </a:r>
+            <a:r>
+              <a:rPr lang="en-US" sz="1400" dirty="0" smtClean="0"/>
+              <a:t> is connected</a:t>
+            </a:r>
+          </a:p>
+          <a:p>
+            <a:r>
+              <a:rPr lang="en-US" sz="1800" dirty="0" smtClean="0"/>
+              <a:t>Click on the Upload button.</a:t>
+            </a:r>
+          </a:p>
+          <a:p>
+            <a:r>
+              <a:rPr lang="en-US" sz="1800" dirty="0" smtClean="0"/>
+              <a:t>Wait till the completion of the Upload is reported.</a:t>
+            </a:r>
+          </a:p>
+          <a:p>
+            <a:pPr lvl="1">
+              <a:buNone/>
+            </a:pPr>
+            <a:endParaRPr lang="en-US" sz="1400" dirty="0" smtClean="0"/>
+          </a:p>
+          <a:p>
+            <a:endParaRPr lang="nl-NL" sz="1800" dirty="0"/>
           </a:p>
         </p:txBody>
       </p:sp>
       <p:pic>
         <p:nvPicPr>
-          <p:cNvPr id="4" name="Picture 2" descr="C:\Users\M5810video\Documents\Weekendschool\Pi And More\Funduino shield.JPG"/>
+          <p:cNvPr id="1027" name="Picture 3" descr="Y:\2017-01-14-040034_821x1035_scrot.png"/>
           <p:cNvPicPr>
             <a:picLocks noChangeAspect="1" noChangeArrowheads="1"/>
           </p:cNvPicPr>
@@ -3605,9 +4544,9 @@
           </a:stretch>
         </p:blipFill>
         <p:spPr bwMode="auto">
-          <a:xfrm rot="10800000">
-            <a:off x="1907704" y="1419622"/>
-            <a:ext cx="3495367" cy="3071044"/>
+          <a:xfrm>
+            <a:off x="5868144" y="915566"/>
+            <a:ext cx="2880320" cy="3631098"/>
           </a:xfrm>
           <a:prstGeom prst="rect">
             <a:avLst/>
@@ -3617,7 +4556,7 @@
       </p:pic>
       <p:pic>
         <p:nvPicPr>
-          <p:cNvPr id="2050" name="Picture 2"/>
+          <p:cNvPr id="1028" name="Picture 4" descr="Y:\2017-01-14-035834_603x235_scrot.png"/>
           <p:cNvPicPr>
             <a:picLocks noChangeAspect="1" noChangeArrowheads="1"/>
           </p:cNvPicPr>
@@ -3631,744 +4570,33 @@
           </a:stretch>
         </p:blipFill>
         <p:spPr bwMode="auto">
-          <a:xfrm rot="10800000">
-            <a:off x="5868144" y="2452876"/>
-            <a:ext cx="2520280" cy="1082536"/>
+          <a:xfrm>
+            <a:off x="755576" y="1923677"/>
+            <a:ext cx="2520280" cy="982198"/>
           </a:xfrm>
           <a:prstGeom prst="rect">
             <a:avLst/>
           </a:prstGeom>
           <a:noFill/>
-          <a:ln w="9525">
-            <a:noFill/>
-            <a:miter lim="800000"/>
-            <a:headEnd/>
-            <a:tailEnd/>
-          </a:ln>
         </p:spPr>
       </p:pic>
-      <p:sp>
-        <p:nvSpPr>
-          <p:cNvPr id="6" name="Tekstvak 5"/>
-          <p:cNvSpPr txBox="1"/>
-          <p:nvPr/>
-        </p:nvSpPr>
-        <p:spPr>
-          <a:xfrm>
-            <a:off x="5796136" y="1059582"/>
-            <a:ext cx="2160240" cy="369332"/>
-          </a:xfrm>
-          <a:prstGeom prst="rect">
-            <a:avLst/>
-          </a:prstGeom>
-          <a:noFill/>
-        </p:spPr>
-        <p:txBody>
-          <a:bodyPr wrap="square" rtlCol="0">
-            <a:spAutoFit/>
-          </a:bodyPr>
-          <a:lstStyle/>
-          <a:p>
-            <a:r>
-              <a:rPr lang="en-US" dirty="0" smtClean="0"/>
-              <a:t>9V power socket</a:t>
-            </a:r>
-            <a:endParaRPr lang="nl-NL" dirty="0"/>
-          </a:p>
-        </p:txBody>
-      </p:sp>
-      <p:sp>
-        <p:nvSpPr>
-          <p:cNvPr id="9" name="Tekstvak 8"/>
-          <p:cNvSpPr txBox="1"/>
-          <p:nvPr/>
-        </p:nvSpPr>
-        <p:spPr>
-          <a:xfrm>
-            <a:off x="6372200" y="1563638"/>
-            <a:ext cx="2160240" cy="646331"/>
-          </a:xfrm>
-          <a:prstGeom prst="rect">
-            <a:avLst/>
-          </a:prstGeom>
-          <a:noFill/>
-        </p:spPr>
-        <p:txBody>
-          <a:bodyPr wrap="square" rtlCol="0">
-            <a:spAutoFit/>
-          </a:bodyPr>
-          <a:lstStyle/>
-          <a:p>
-            <a:r>
-              <a:rPr lang="en-US" dirty="0" err="1" smtClean="0"/>
-              <a:t>Arduino</a:t>
-            </a:r>
-            <a:r>
-              <a:rPr lang="en-US" dirty="0" smtClean="0"/>
-              <a:t> </a:t>
-            </a:r>
-            <a:r>
-              <a:rPr lang="en-US" dirty="0" err="1" smtClean="0"/>
-              <a:t>Nano</a:t>
-            </a:r>
-            <a:r>
-              <a:rPr lang="en-US" dirty="0" smtClean="0"/>
-              <a:t> with 328P processor</a:t>
-            </a:r>
-            <a:endParaRPr lang="nl-NL" dirty="0"/>
-          </a:p>
-        </p:txBody>
-      </p:sp>
-      <p:sp>
-        <p:nvSpPr>
-          <p:cNvPr id="13" name="Tekstvak 12"/>
-          <p:cNvSpPr txBox="1"/>
-          <p:nvPr/>
-        </p:nvSpPr>
-        <p:spPr>
-          <a:xfrm>
-            <a:off x="6516216" y="3795886"/>
-            <a:ext cx="2160240" cy="369332"/>
-          </a:xfrm>
-          <a:prstGeom prst="rect">
-            <a:avLst/>
-          </a:prstGeom>
-          <a:noFill/>
-        </p:spPr>
-        <p:txBody>
-          <a:bodyPr wrap="square" rtlCol="0">
-            <a:spAutoFit/>
-          </a:bodyPr>
-          <a:lstStyle/>
-          <a:p>
-            <a:pPr algn="r"/>
-            <a:r>
-              <a:rPr lang="en-US" dirty="0" smtClean="0"/>
-              <a:t>Micro USB port</a:t>
-            </a:r>
-            <a:endParaRPr lang="nl-NL" dirty="0"/>
-          </a:p>
-        </p:txBody>
-      </p:sp>
-      <p:sp>
-        <p:nvSpPr>
-          <p:cNvPr id="17" name="Tekstvak 16"/>
-          <p:cNvSpPr txBox="1"/>
-          <p:nvPr/>
-        </p:nvSpPr>
-        <p:spPr>
-          <a:xfrm>
-            <a:off x="0" y="1131590"/>
-            <a:ext cx="2411760" cy="1569660"/>
-          </a:xfrm>
-          <a:prstGeom prst="rect">
-            <a:avLst/>
-          </a:prstGeom>
-          <a:noFill/>
-        </p:spPr>
-        <p:txBody>
-          <a:bodyPr wrap="square" rtlCol="0">
-            <a:spAutoFit/>
-          </a:bodyPr>
-          <a:lstStyle/>
-          <a:p>
-            <a:r>
-              <a:rPr lang="en-US" sz="1600" dirty="0" smtClean="0"/>
-              <a:t>Per GPIO signal 3 headers: </a:t>
-            </a:r>
-          </a:p>
-          <a:p>
-            <a:r>
-              <a:rPr lang="en-US" sz="1600" dirty="0" smtClean="0"/>
-              <a:t>S (blue = signal</a:t>
-            </a:r>
-            <a:r>
-              <a:rPr lang="en-US" sz="1600" dirty="0" smtClean="0"/>
-              <a:t>)</a:t>
-            </a:r>
-          </a:p>
-          <a:p>
-            <a:r>
-              <a:rPr lang="en-US" sz="1600" dirty="0" smtClean="0"/>
-              <a:t>V (red = VCC = +) </a:t>
-            </a:r>
-          </a:p>
-          <a:p>
-            <a:r>
-              <a:rPr lang="en-US" sz="1600" dirty="0" smtClean="0"/>
-              <a:t>G (black = GND = -)</a:t>
-            </a:r>
-          </a:p>
-          <a:p>
-            <a:r>
-              <a:rPr lang="en-US" sz="1600" i="1" dirty="0" smtClean="0"/>
-              <a:t>(very handy to e.g. </a:t>
-            </a:r>
-          </a:p>
-          <a:p>
-            <a:r>
-              <a:rPr lang="en-US" sz="1600" i="1" dirty="0" smtClean="0"/>
-              <a:t>c</a:t>
-            </a:r>
-            <a:r>
-              <a:rPr lang="en-US" sz="1600" i="1" dirty="0" smtClean="0"/>
-              <a:t>onnect servos) </a:t>
-            </a:r>
-          </a:p>
-        </p:txBody>
-      </p:sp>
       <p:cxnSp>
         <p:nvCxnSpPr>
-          <p:cNvPr id="18" name="Rechte verbindingslijn met pijl 17"/>
+          <p:cNvPr id="8" name="Rechte verbindingslijn met pijl 7"/>
           <p:cNvCxnSpPr/>
           <p:nvPr/>
         </p:nvCxnSpPr>
         <p:spPr>
-          <a:xfrm>
-            <a:off x="1619672" y="1779662"/>
-            <a:ext cx="720080" cy="288032"/>
+          <a:xfrm flipV="1">
+            <a:off x="3419872" y="1131590"/>
+            <a:ext cx="2592288" cy="3024336"/>
           </a:xfrm>
           <a:prstGeom prst="straightConnector1">
             <a:avLst/>
           </a:prstGeom>
           <a:ln w="50800">
-            <a:solidFill>
-              <a:srgbClr val="00B050"/>
-            </a:solidFill>
             <a:tailEnd type="arrow"/>
           </a:ln>
-          <a:effectLst>
-            <a:outerShdw blurRad="50800" dist="38100" dir="2700000" algn="tl" rotWithShape="0">
-              <a:prstClr val="black">
-                <a:alpha val="40000"/>
-              </a:prstClr>
-            </a:outerShdw>
-          </a:effectLst>
-        </p:spPr>
-        <p:style>
-          <a:lnRef idx="1">
-            <a:schemeClr val="accent1"/>
-          </a:lnRef>
-          <a:fillRef idx="0">
-            <a:schemeClr val="accent1"/>
-          </a:fillRef>
-          <a:effectRef idx="0">
-            <a:schemeClr val="accent1"/>
-          </a:effectRef>
-          <a:fontRef idx="minor">
-            <a:schemeClr val="tx1"/>
-          </a:fontRef>
-        </p:style>
-      </p:cxnSp>
-      <p:cxnSp>
-        <p:nvCxnSpPr>
-          <p:cNvPr id="22" name="Rechte verbindingslijn met pijl 21"/>
-          <p:cNvCxnSpPr/>
-          <p:nvPr/>
-        </p:nvCxnSpPr>
-        <p:spPr>
-          <a:xfrm>
-            <a:off x="1763688" y="2067694"/>
-            <a:ext cx="504056" cy="144016"/>
-          </a:xfrm>
-          <a:prstGeom prst="straightConnector1">
-            <a:avLst/>
-          </a:prstGeom>
-          <a:ln w="50800">
-            <a:solidFill>
-              <a:srgbClr val="00B050"/>
-            </a:solidFill>
-            <a:tailEnd type="arrow"/>
-          </a:ln>
-          <a:effectLst>
-            <a:outerShdw blurRad="50800" dist="38100" dir="2700000" algn="tl" rotWithShape="0">
-              <a:prstClr val="black">
-                <a:alpha val="40000"/>
-              </a:prstClr>
-            </a:outerShdw>
-          </a:effectLst>
-        </p:spPr>
-        <p:style>
-          <a:lnRef idx="1">
-            <a:schemeClr val="accent1"/>
-          </a:lnRef>
-          <a:fillRef idx="0">
-            <a:schemeClr val="accent1"/>
-          </a:fillRef>
-          <a:effectRef idx="0">
-            <a:schemeClr val="accent1"/>
-          </a:effectRef>
-          <a:fontRef idx="minor">
-            <a:schemeClr val="tx1"/>
-          </a:fontRef>
-        </p:style>
-      </p:cxnSp>
-      <p:cxnSp>
-        <p:nvCxnSpPr>
-          <p:cNvPr id="24" name="Rechte verbindingslijn met pijl 23"/>
-          <p:cNvCxnSpPr/>
-          <p:nvPr/>
-        </p:nvCxnSpPr>
-        <p:spPr>
-          <a:xfrm>
-            <a:off x="1403648" y="1563638"/>
-            <a:ext cx="1152128" cy="360040"/>
-          </a:xfrm>
-          <a:prstGeom prst="straightConnector1">
-            <a:avLst/>
-          </a:prstGeom>
-          <a:ln w="50800">
-            <a:solidFill>
-              <a:srgbClr val="00B050"/>
-            </a:solidFill>
-            <a:tailEnd type="arrow"/>
-          </a:ln>
-          <a:effectLst>
-            <a:outerShdw blurRad="50800" dist="38100" dir="2700000" algn="tl" rotWithShape="0">
-              <a:prstClr val="black">
-                <a:alpha val="40000"/>
-              </a:prstClr>
-            </a:outerShdw>
-          </a:effectLst>
-        </p:spPr>
-        <p:style>
-          <a:lnRef idx="1">
-            <a:schemeClr val="accent1"/>
-          </a:lnRef>
-          <a:fillRef idx="0">
-            <a:schemeClr val="accent1"/>
-          </a:fillRef>
-          <a:effectRef idx="0">
-            <a:schemeClr val="accent1"/>
-          </a:effectRef>
-          <a:fontRef idx="minor">
-            <a:schemeClr val="tx1"/>
-          </a:fontRef>
-        </p:style>
-      </p:cxnSp>
-      <p:cxnSp>
-        <p:nvCxnSpPr>
-          <p:cNvPr id="36" name="Rechte verbindingslijn met pijl 35"/>
-          <p:cNvCxnSpPr>
-            <a:stCxn id="6" idx="1"/>
-          </p:cNvCxnSpPr>
-          <p:nvPr/>
-        </p:nvCxnSpPr>
-        <p:spPr>
-          <a:xfrm flipH="1">
-            <a:off x="5364088" y="1244248"/>
-            <a:ext cx="432048" cy="535414"/>
-          </a:xfrm>
-          <a:prstGeom prst="straightConnector1">
-            <a:avLst/>
-          </a:prstGeom>
-          <a:ln w="50800">
-            <a:solidFill>
-              <a:srgbClr val="00B050"/>
-            </a:solidFill>
-            <a:tailEnd type="arrow"/>
-          </a:ln>
-          <a:effectLst>
-            <a:outerShdw blurRad="50800" dist="38100" dir="2700000" algn="tl" rotWithShape="0">
-              <a:prstClr val="black">
-                <a:alpha val="40000"/>
-              </a:prstClr>
-            </a:outerShdw>
-          </a:effectLst>
-        </p:spPr>
-        <p:style>
-          <a:lnRef idx="1">
-            <a:schemeClr val="accent1"/>
-          </a:lnRef>
-          <a:fillRef idx="0">
-            <a:schemeClr val="accent1"/>
-          </a:fillRef>
-          <a:effectRef idx="0">
-            <a:schemeClr val="accent1"/>
-          </a:effectRef>
-          <a:fontRef idx="minor">
-            <a:schemeClr val="tx1"/>
-          </a:fontRef>
-        </p:style>
-      </p:cxnSp>
-      <p:cxnSp>
-        <p:nvCxnSpPr>
-          <p:cNvPr id="39" name="Rechte verbindingslijn met pijl 38"/>
-          <p:cNvCxnSpPr/>
-          <p:nvPr/>
-        </p:nvCxnSpPr>
-        <p:spPr>
-          <a:xfrm>
-            <a:off x="7236296" y="2139702"/>
-            <a:ext cx="0" cy="288032"/>
-          </a:xfrm>
-          <a:prstGeom prst="straightConnector1">
-            <a:avLst/>
-          </a:prstGeom>
-          <a:ln w="50800">
-            <a:solidFill>
-              <a:srgbClr val="00B050"/>
-            </a:solidFill>
-            <a:tailEnd type="arrow"/>
-          </a:ln>
-          <a:effectLst>
-            <a:outerShdw blurRad="50800" dist="38100" dir="2700000" algn="tl" rotWithShape="0">
-              <a:prstClr val="black">
-                <a:alpha val="40000"/>
-              </a:prstClr>
-            </a:outerShdw>
-          </a:effectLst>
-        </p:spPr>
-        <p:style>
-          <a:lnRef idx="1">
-            <a:schemeClr val="accent1"/>
-          </a:lnRef>
-          <a:fillRef idx="0">
-            <a:schemeClr val="accent1"/>
-          </a:fillRef>
-          <a:effectRef idx="0">
-            <a:schemeClr val="accent1"/>
-          </a:effectRef>
-          <a:fontRef idx="minor">
-            <a:schemeClr val="tx1"/>
-          </a:fontRef>
-        </p:style>
-      </p:cxnSp>
-      <p:cxnSp>
-        <p:nvCxnSpPr>
-          <p:cNvPr id="42" name="Rechte verbindingslijn met pijl 41"/>
-          <p:cNvCxnSpPr/>
-          <p:nvPr/>
-        </p:nvCxnSpPr>
-        <p:spPr>
-          <a:xfrm flipV="1">
-            <a:off x="8244408" y="3179172"/>
-            <a:ext cx="0" cy="688722"/>
-          </a:xfrm>
-          <a:prstGeom prst="straightConnector1">
-            <a:avLst/>
-          </a:prstGeom>
-          <a:ln w="50800">
-            <a:solidFill>
-              <a:srgbClr val="00B050"/>
-            </a:solidFill>
-            <a:tailEnd type="arrow"/>
-          </a:ln>
-          <a:effectLst>
-            <a:outerShdw blurRad="50800" dist="38100" dir="2700000" algn="tl" rotWithShape="0">
-              <a:prstClr val="black">
-                <a:alpha val="40000"/>
-              </a:prstClr>
-            </a:outerShdw>
-          </a:effectLst>
-        </p:spPr>
-        <p:style>
-          <a:lnRef idx="1">
-            <a:schemeClr val="accent1"/>
-          </a:lnRef>
-          <a:fillRef idx="0">
-            <a:schemeClr val="accent1"/>
-          </a:fillRef>
-          <a:effectRef idx="0">
-            <a:schemeClr val="accent1"/>
-          </a:effectRef>
-          <a:fontRef idx="minor">
-            <a:schemeClr val="tx1"/>
-          </a:fontRef>
-        </p:style>
-      </p:cxnSp>
-      <p:sp>
-        <p:nvSpPr>
-          <p:cNvPr id="44" name="Tekstvak 43"/>
-          <p:cNvSpPr txBox="1"/>
-          <p:nvPr/>
-        </p:nvSpPr>
-        <p:spPr>
-          <a:xfrm>
-            <a:off x="2411760" y="4659982"/>
-            <a:ext cx="2160240" cy="369332"/>
-          </a:xfrm>
-          <a:prstGeom prst="rect">
-            <a:avLst/>
-          </a:prstGeom>
-          <a:noFill/>
-        </p:spPr>
-        <p:txBody>
-          <a:bodyPr wrap="square" rtlCol="0">
-            <a:spAutoFit/>
-          </a:bodyPr>
-          <a:lstStyle/>
-          <a:p>
-            <a:pPr algn="ctr"/>
-            <a:r>
-              <a:rPr lang="en-US" dirty="0" smtClean="0"/>
-              <a:t>Digital ports</a:t>
-            </a:r>
-            <a:endParaRPr lang="nl-NL" dirty="0"/>
-          </a:p>
-        </p:txBody>
-      </p:sp>
-      <p:sp>
-        <p:nvSpPr>
-          <p:cNvPr id="45" name="Rechteraccolade 44"/>
-          <p:cNvSpPr/>
-          <p:nvPr/>
-        </p:nvSpPr>
-        <p:spPr>
-          <a:xfrm rot="5400000">
-            <a:off x="3383868" y="3399842"/>
-            <a:ext cx="288032" cy="2376264"/>
-          </a:xfrm>
-          <a:prstGeom prst="rightBrace">
-            <a:avLst/>
-          </a:prstGeom>
-          <a:ln w="50800">
-            <a:solidFill>
-              <a:srgbClr val="00CC66"/>
-            </a:solidFill>
-          </a:ln>
-          <a:effectLst>
-            <a:outerShdw blurRad="50800" dist="38100" dir="2700000" algn="tl" rotWithShape="0">
-              <a:prstClr val="black">
-                <a:alpha val="40000"/>
-              </a:prstClr>
-            </a:outerShdw>
-          </a:effectLst>
-        </p:spPr>
-        <p:style>
-          <a:lnRef idx="1">
-            <a:schemeClr val="accent1"/>
-          </a:lnRef>
-          <a:fillRef idx="0">
-            <a:schemeClr val="accent1"/>
-          </a:fillRef>
-          <a:effectRef idx="0">
-            <a:schemeClr val="accent1"/>
-          </a:effectRef>
-          <a:fontRef idx="minor">
-            <a:schemeClr val="tx1"/>
-          </a:fontRef>
-        </p:style>
-        <p:txBody>
-          <a:bodyPr rtlCol="0" anchor="ctr"/>
-          <a:lstStyle/>
-          <a:p>
-            <a:pPr algn="ctr"/>
-            <a:endParaRPr lang="nl-NL"/>
-          </a:p>
-        </p:txBody>
-      </p:sp>
-      <p:sp>
-        <p:nvSpPr>
-          <p:cNvPr id="46" name="Rechteraccolade 45"/>
-          <p:cNvSpPr/>
-          <p:nvPr/>
-        </p:nvSpPr>
-        <p:spPr>
-          <a:xfrm rot="16200000" flipV="1">
-            <a:off x="2735796" y="663538"/>
-            <a:ext cx="288032" cy="1224136"/>
-          </a:xfrm>
-          <a:prstGeom prst="rightBrace">
-            <a:avLst/>
-          </a:prstGeom>
-          <a:ln w="50800">
-            <a:solidFill>
-              <a:srgbClr val="00CC66"/>
-            </a:solidFill>
-          </a:ln>
-          <a:effectLst>
-            <a:outerShdw blurRad="50800" dist="38100" dir="2700000" algn="tl" rotWithShape="0">
-              <a:prstClr val="black">
-                <a:alpha val="40000"/>
-              </a:prstClr>
-            </a:outerShdw>
-          </a:effectLst>
-        </p:spPr>
-        <p:style>
-          <a:lnRef idx="1">
-            <a:schemeClr val="accent1"/>
-          </a:lnRef>
-          <a:fillRef idx="0">
-            <a:schemeClr val="accent1"/>
-          </a:fillRef>
-          <a:effectRef idx="0">
-            <a:schemeClr val="accent1"/>
-          </a:effectRef>
-          <a:fontRef idx="minor">
-            <a:schemeClr val="tx1"/>
-          </a:fontRef>
-        </p:style>
-        <p:txBody>
-          <a:bodyPr rtlCol="0" anchor="ctr"/>
-          <a:lstStyle/>
-          <a:p>
-            <a:pPr algn="ctr"/>
-            <a:endParaRPr lang="nl-NL"/>
-          </a:p>
-        </p:txBody>
-      </p:sp>
-      <p:sp>
-        <p:nvSpPr>
-          <p:cNvPr id="47" name="Tekstvak 46"/>
-          <p:cNvSpPr txBox="1"/>
-          <p:nvPr/>
-        </p:nvSpPr>
-        <p:spPr>
-          <a:xfrm>
-            <a:off x="1835696" y="699542"/>
-            <a:ext cx="2160240" cy="369332"/>
-          </a:xfrm>
-          <a:prstGeom prst="rect">
-            <a:avLst/>
-          </a:prstGeom>
-          <a:noFill/>
-        </p:spPr>
-        <p:txBody>
-          <a:bodyPr wrap="square" rtlCol="0">
-            <a:spAutoFit/>
-          </a:bodyPr>
-          <a:lstStyle/>
-          <a:p>
-            <a:pPr algn="ctr"/>
-            <a:r>
-              <a:rPr lang="en-US" dirty="0" smtClean="0"/>
-              <a:t>Analog ports</a:t>
-            </a:r>
-            <a:endParaRPr lang="nl-NL" dirty="0"/>
-          </a:p>
-        </p:txBody>
-      </p:sp>
-      <p:sp>
-        <p:nvSpPr>
-          <p:cNvPr id="48" name="Tekstvak 47"/>
-          <p:cNvSpPr txBox="1"/>
-          <p:nvPr/>
-        </p:nvSpPr>
-        <p:spPr>
-          <a:xfrm>
-            <a:off x="6804248" y="4227934"/>
-            <a:ext cx="1440160" cy="369332"/>
-          </a:xfrm>
-          <a:prstGeom prst="rect">
-            <a:avLst/>
-          </a:prstGeom>
-          <a:noFill/>
-        </p:spPr>
-        <p:txBody>
-          <a:bodyPr wrap="square" rtlCol="0">
-            <a:spAutoFit/>
-          </a:bodyPr>
-          <a:lstStyle/>
-          <a:p>
-            <a:r>
-              <a:rPr lang="en-US" dirty="0" smtClean="0"/>
-              <a:t>Reset button</a:t>
-            </a:r>
-            <a:endParaRPr lang="nl-NL" dirty="0"/>
-          </a:p>
-        </p:txBody>
-      </p:sp>
-      <p:cxnSp>
-        <p:nvCxnSpPr>
-          <p:cNvPr id="49" name="Rechte verbindingslijn met pijl 48"/>
-          <p:cNvCxnSpPr/>
-          <p:nvPr/>
-        </p:nvCxnSpPr>
-        <p:spPr>
-          <a:xfrm flipV="1">
-            <a:off x="6876256" y="3147814"/>
-            <a:ext cx="0" cy="1152128"/>
-          </a:xfrm>
-          <a:prstGeom prst="straightConnector1">
-            <a:avLst/>
-          </a:prstGeom>
-          <a:ln w="50800">
-            <a:solidFill>
-              <a:srgbClr val="00B050"/>
-            </a:solidFill>
-            <a:tailEnd type="arrow"/>
-          </a:ln>
-          <a:effectLst>
-            <a:outerShdw blurRad="50800" dist="38100" dir="2700000" algn="tl" rotWithShape="0">
-              <a:prstClr val="black">
-                <a:alpha val="40000"/>
-              </a:prstClr>
-            </a:outerShdw>
-          </a:effectLst>
-        </p:spPr>
-        <p:style>
-          <a:lnRef idx="1">
-            <a:schemeClr val="accent1"/>
-          </a:lnRef>
-          <a:fillRef idx="0">
-            <a:schemeClr val="accent1"/>
-          </a:fillRef>
-          <a:effectRef idx="0">
-            <a:schemeClr val="accent1"/>
-          </a:effectRef>
-          <a:fontRef idx="minor">
-            <a:schemeClr val="tx1"/>
-          </a:fontRef>
-        </p:style>
-      </p:cxnSp>
-      <p:sp>
-        <p:nvSpPr>
-          <p:cNvPr id="52" name="Tekstvak 51"/>
-          <p:cNvSpPr txBox="1"/>
-          <p:nvPr/>
-        </p:nvSpPr>
-        <p:spPr>
-          <a:xfrm>
-            <a:off x="5796136" y="699542"/>
-            <a:ext cx="1440160" cy="369332"/>
-          </a:xfrm>
-          <a:prstGeom prst="rect">
-            <a:avLst/>
-          </a:prstGeom>
-          <a:noFill/>
-        </p:spPr>
-        <p:txBody>
-          <a:bodyPr wrap="square" rtlCol="0">
-            <a:spAutoFit/>
-          </a:bodyPr>
-          <a:lstStyle/>
-          <a:p>
-            <a:r>
-              <a:rPr lang="en-US" dirty="0" smtClean="0"/>
-              <a:t>Reset button</a:t>
-            </a:r>
-            <a:endParaRPr lang="nl-NL" dirty="0"/>
-          </a:p>
-        </p:txBody>
-      </p:sp>
-      <p:cxnSp>
-        <p:nvCxnSpPr>
-          <p:cNvPr id="53" name="Rechte verbindingslijn met pijl 52"/>
-          <p:cNvCxnSpPr/>
-          <p:nvPr/>
-        </p:nvCxnSpPr>
-        <p:spPr>
-          <a:xfrm flipH="1">
-            <a:off x="4499992" y="915566"/>
-            <a:ext cx="1296144" cy="648072"/>
-          </a:xfrm>
-          <a:prstGeom prst="straightConnector1">
-            <a:avLst/>
-          </a:prstGeom>
-          <a:ln w="50800">
-            <a:solidFill>
-              <a:srgbClr val="00B050"/>
-            </a:solidFill>
-            <a:tailEnd type="arrow"/>
-          </a:ln>
-          <a:effectLst>
-            <a:outerShdw blurRad="50800" dist="38100" dir="2700000" algn="tl" rotWithShape="0">
-              <a:prstClr val="black">
-                <a:alpha val="40000"/>
-              </a:prstClr>
-            </a:outerShdw>
-          </a:effectLst>
         </p:spPr>
         <p:style>
           <a:lnRef idx="1">
@@ -4422,14 +4650,12 @@
         </p:nvSpPr>
         <p:spPr/>
         <p:txBody>
-          <a:bodyPr>
-            <a:normAutofit fontScale="90000"/>
-          </a:bodyPr>
-          <a:lstStyle/>
-          <a:p>
-            <a:r>
-              <a:rPr lang="en-US" dirty="0" smtClean="0"/>
-              <a:t>Uploading </a:t>
+          <a:bodyPr/>
+          <a:lstStyle/>
+          <a:p>
+            <a:r>
+              <a:rPr lang="en-US" dirty="0" smtClean="0"/>
+              <a:t>Open the </a:t>
             </a:r>
             <a:r>
               <a:rPr lang="en-US" dirty="0" err="1" smtClean="0"/>
@@ -4437,32 +4663,89 @@
             </a:r>
             <a:r>
               <a:rPr lang="en-US" dirty="0" smtClean="0"/>
-              <a:t> to the </a:t>
+              <a:t> </a:t>
             </a:r>
             <a:r>
               <a:rPr lang="en-US" dirty="0" err="1" smtClean="0"/>
-              <a:t>Arduino</a:t>
+              <a:t>config</a:t>
+            </a:r>
+            <a:r>
+              <a:rPr lang="en-US" dirty="0" smtClean="0"/>
+              <a:t> file</a:t>
             </a:r>
             <a:endParaRPr lang="nl-NL" dirty="0"/>
           </a:p>
         </p:txBody>
       </p:sp>
-      <p:sp>
-        <p:nvSpPr>
-          <p:cNvPr id="3" name="Tijdelijke aanduiding voor inhoud 2"/>
-          <p:cNvSpPr>
-            <a:spLocks noGrp="1"/>
-          </p:cNvSpPr>
-          <p:nvPr>
-            <p:ph idx="1"/>
-          </p:nvPr>
-        </p:nvSpPr>
-        <p:spPr/>
-        <p:txBody>
-          <a:bodyPr/>
-          <a:lstStyle/>
-          <a:p>
-            <a:endParaRPr lang="nl-NL"/>
+      <p:pic>
+        <p:nvPicPr>
+          <p:cNvPr id="3074" name="Picture 2" descr="Y:\2017-01-14-042221_688x362_scrot.png"/>
+          <p:cNvPicPr>
+            <a:picLocks noChangeAspect="1" noChangeArrowheads="1"/>
+          </p:cNvPicPr>
+          <p:nvPr/>
+        </p:nvPicPr>
+        <p:blipFill>
+          <a:blip r:embed="rId2" cstate="print"/>
+          <a:srcRect/>
+          <a:stretch>
+            <a:fillRect/>
+          </a:stretch>
+        </p:blipFill>
+        <p:spPr bwMode="auto">
+          <a:xfrm>
+            <a:off x="539552" y="987574"/>
+            <a:ext cx="4064670" cy="2138678"/>
+          </a:xfrm>
+          <a:prstGeom prst="rect">
+            <a:avLst/>
+          </a:prstGeom>
+          <a:noFill/>
+        </p:spPr>
+      </p:pic>
+      <p:sp>
+        <p:nvSpPr>
+          <p:cNvPr id="5" name="Tekstvak 4"/>
+          <p:cNvSpPr txBox="1"/>
+          <p:nvPr/>
+        </p:nvSpPr>
+        <p:spPr>
+          <a:xfrm>
+            <a:off x="755576" y="3435846"/>
+            <a:ext cx="4464496" cy="646331"/>
+          </a:xfrm>
+          <a:prstGeom prst="rect">
+            <a:avLst/>
+          </a:prstGeom>
+          <a:noFill/>
+        </p:spPr>
+        <p:txBody>
+          <a:bodyPr wrap="square" rtlCol="0">
+            <a:spAutoFit/>
+          </a:bodyPr>
+          <a:lstStyle/>
+          <a:p>
+            <a:r>
+              <a:rPr lang="en-US" dirty="0" smtClean="0"/>
+              <a:t>Note: it is called config_arduino_</a:t>
+            </a:r>
+            <a:r>
+              <a:rPr lang="en-US" b="1" i="1" dirty="0" smtClean="0"/>
+              <a:t>uno</a:t>
+            </a:r>
+            <a:r>
+              <a:rPr lang="en-US" dirty="0" smtClean="0"/>
+              <a:t>.xml, however it also is for the </a:t>
+            </a:r>
+            <a:r>
+              <a:rPr lang="en-US" dirty="0" err="1" smtClean="0"/>
+              <a:t>Nano</a:t>
+            </a:r>
+            <a:r>
+              <a:rPr lang="en-US" dirty="0" smtClean="0"/>
+              <a:t>.</a:t>
+            </a:r>
+            <a:endParaRPr lang="nl-NL" dirty="0"/>
           </a:p>
         </p:txBody>
       </p:sp>
@@ -4532,21 +4815,288 @@
           </a:p>
         </p:txBody>
       </p:sp>
-      <p:sp>
-        <p:nvSpPr>
-          <p:cNvPr id="3" name="Tijdelijke aanduiding voor inhoud 2"/>
-          <p:cNvSpPr>
-            <a:spLocks noGrp="1"/>
-          </p:cNvSpPr>
-          <p:nvPr>
-            <p:ph idx="1"/>
-          </p:nvPr>
-        </p:nvSpPr>
-        <p:spPr/>
-        <p:txBody>
-          <a:bodyPr/>
-          <a:lstStyle/>
-          <a:p>
+      <p:pic>
+        <p:nvPicPr>
+          <p:cNvPr id="2050" name="Picture 2" descr="Y:\2017-01-14-042842_696x651_scrot.png"/>
+          <p:cNvPicPr>
+            <a:picLocks noChangeAspect="1" noChangeArrowheads="1"/>
+          </p:cNvPicPr>
+          <p:nvPr/>
+        </p:nvPicPr>
+        <p:blipFill>
+          <a:blip r:embed="rId2" cstate="print"/>
+          <a:srcRect/>
+          <a:stretch>
+            <a:fillRect/>
+          </a:stretch>
+        </p:blipFill>
+        <p:spPr bwMode="auto">
+          <a:xfrm>
+            <a:off x="4932040" y="987574"/>
+            <a:ext cx="4080232" cy="3816424"/>
+          </a:xfrm>
+          <a:prstGeom prst="rect">
+            <a:avLst/>
+          </a:prstGeom>
+          <a:noFill/>
+        </p:spPr>
+      </p:pic>
+      <p:pic>
+        <p:nvPicPr>
+          <p:cNvPr id="2051" name="Picture 3" descr="Y:\2017-01-14-042827_920x567_scrot.png"/>
+          <p:cNvPicPr>
+            <a:picLocks noChangeAspect="1" noChangeArrowheads="1"/>
+          </p:cNvPicPr>
+          <p:nvPr/>
+        </p:nvPicPr>
+        <p:blipFill>
+          <a:blip r:embed="rId3" cstate="print"/>
+          <a:srcRect/>
+          <a:stretch>
+            <a:fillRect/>
+          </a:stretch>
+        </p:blipFill>
+        <p:spPr bwMode="auto">
+          <a:xfrm>
+            <a:off x="0" y="987574"/>
+            <a:ext cx="5491404" cy="3384376"/>
+          </a:xfrm>
+          <a:prstGeom prst="rect">
+            <a:avLst/>
+          </a:prstGeom>
+          <a:noFill/>
+        </p:spPr>
+      </p:pic>
+      <p:cxnSp>
+        <p:nvCxnSpPr>
+          <p:cNvPr id="8" name="Rechte verbindingslijn met pijl 7"/>
+          <p:cNvCxnSpPr/>
+          <p:nvPr/>
+        </p:nvCxnSpPr>
+        <p:spPr>
+          <a:xfrm>
+            <a:off x="2411760" y="1347614"/>
+            <a:ext cx="3312368" cy="1512168"/>
+          </a:xfrm>
+          <a:prstGeom prst="straightConnector1">
+            <a:avLst/>
+          </a:prstGeom>
+          <a:ln w="38100">
+            <a:headEnd type="triangle"/>
+            <a:tailEnd type="triangle"/>
+          </a:ln>
+        </p:spPr>
+        <p:style>
+          <a:lnRef idx="1">
+            <a:schemeClr val="accent1"/>
+          </a:lnRef>
+          <a:fillRef idx="0">
+            <a:schemeClr val="accent1"/>
+          </a:fillRef>
+          <a:effectRef idx="0">
+            <a:schemeClr val="accent1"/>
+          </a:effectRef>
+          <a:fontRef idx="minor">
+            <a:schemeClr val="tx1"/>
+          </a:fontRef>
+        </p:style>
+      </p:cxnSp>
+      <p:cxnSp>
+        <p:nvCxnSpPr>
+          <p:cNvPr id="10" name="Rechte verbindingslijn met pijl 9"/>
+          <p:cNvCxnSpPr/>
+          <p:nvPr/>
+        </p:nvCxnSpPr>
+        <p:spPr>
+          <a:xfrm>
+            <a:off x="2411760" y="1779662"/>
+            <a:ext cx="3312368" cy="1512168"/>
+          </a:xfrm>
+          <a:prstGeom prst="straightConnector1">
+            <a:avLst/>
+          </a:prstGeom>
+          <a:ln w="38100">
+            <a:headEnd type="triangle"/>
+            <a:tailEnd type="triangle"/>
+          </a:ln>
+        </p:spPr>
+        <p:style>
+          <a:lnRef idx="1">
+            <a:schemeClr val="accent1"/>
+          </a:lnRef>
+          <a:fillRef idx="0">
+            <a:schemeClr val="accent1"/>
+          </a:fillRef>
+          <a:effectRef idx="0">
+            <a:schemeClr val="accent1"/>
+          </a:effectRef>
+          <a:fontRef idx="minor">
+            <a:schemeClr val="tx1"/>
+          </a:fontRef>
+        </p:style>
+      </p:cxnSp>
+      <p:cxnSp>
+        <p:nvCxnSpPr>
+          <p:cNvPr id="11" name="Rechte verbindingslijn met pijl 10"/>
+          <p:cNvCxnSpPr/>
+          <p:nvPr/>
+        </p:nvCxnSpPr>
+        <p:spPr>
+          <a:xfrm>
+            <a:off x="2411760" y="2211710"/>
+            <a:ext cx="3312368" cy="792088"/>
+          </a:xfrm>
+          <a:prstGeom prst="straightConnector1">
+            <a:avLst/>
+          </a:prstGeom>
+          <a:ln w="38100">
+            <a:headEnd type="triangle"/>
+            <a:tailEnd type="triangle"/>
+          </a:ln>
+        </p:spPr>
+        <p:style>
+          <a:lnRef idx="1">
+            <a:schemeClr val="accent1"/>
+          </a:lnRef>
+          <a:fillRef idx="0">
+            <a:schemeClr val="accent1"/>
+          </a:fillRef>
+          <a:effectRef idx="0">
+            <a:schemeClr val="accent1"/>
+          </a:effectRef>
+          <a:fontRef idx="minor">
+            <a:schemeClr val="tx1"/>
+          </a:fontRef>
+        </p:style>
+      </p:cxnSp>
+      <p:cxnSp>
+        <p:nvCxnSpPr>
+          <p:cNvPr id="13" name="Rechte verbindingslijn met pijl 12"/>
+          <p:cNvCxnSpPr/>
+          <p:nvPr/>
+        </p:nvCxnSpPr>
+        <p:spPr>
+          <a:xfrm>
+            <a:off x="2411760" y="2715766"/>
+            <a:ext cx="3312368" cy="432048"/>
+          </a:xfrm>
+          <a:prstGeom prst="straightConnector1">
+            <a:avLst/>
+          </a:prstGeom>
+          <a:ln w="38100">
+            <a:headEnd type="triangle"/>
+            <a:tailEnd type="triangle"/>
+          </a:ln>
+        </p:spPr>
+        <p:style>
+          <a:lnRef idx="1">
+            <a:schemeClr val="accent1"/>
+          </a:lnRef>
+          <a:fillRef idx="0">
+            <a:schemeClr val="accent1"/>
+          </a:fillRef>
+          <a:effectRef idx="0">
+            <a:schemeClr val="accent1"/>
+          </a:effectRef>
+          <a:fontRef idx="minor">
+            <a:schemeClr val="tx1"/>
+          </a:fontRef>
+        </p:style>
+      </p:cxnSp>
+      <p:cxnSp>
+        <p:nvCxnSpPr>
+          <p:cNvPr id="15" name="Rechte verbindingslijn met pijl 14"/>
+          <p:cNvCxnSpPr/>
+          <p:nvPr/>
+        </p:nvCxnSpPr>
+        <p:spPr>
+          <a:xfrm>
+            <a:off x="2411760" y="3003798"/>
+            <a:ext cx="3312368" cy="936104"/>
+          </a:xfrm>
+          <a:prstGeom prst="straightConnector1">
+            <a:avLst/>
+          </a:prstGeom>
+          <a:ln w="38100">
+            <a:headEnd type="triangle"/>
+            <a:tailEnd type="triangle"/>
+          </a:ln>
+        </p:spPr>
+        <p:style>
+          <a:lnRef idx="1">
+            <a:schemeClr val="accent1"/>
+          </a:lnRef>
+          <a:fillRef idx="0">
+            <a:schemeClr val="accent1"/>
+          </a:fillRef>
+          <a:effectRef idx="0">
+            <a:schemeClr val="accent1"/>
+          </a:effectRef>
+          <a:fontRef idx="minor">
+            <a:schemeClr val="tx1"/>
+          </a:fontRef>
+        </p:style>
+      </p:cxnSp>
+      <p:cxnSp>
+        <p:nvCxnSpPr>
+          <p:cNvPr id="17" name="Rechte verbindingslijn met pijl 16"/>
+          <p:cNvCxnSpPr/>
+          <p:nvPr/>
+        </p:nvCxnSpPr>
+        <p:spPr>
+          <a:xfrm flipV="1">
+            <a:off x="2339752" y="2643758"/>
+            <a:ext cx="3384376" cy="1368152"/>
+          </a:xfrm>
+          <a:prstGeom prst="straightConnector1">
+            <a:avLst/>
+          </a:prstGeom>
+          <a:ln w="38100">
+            <a:headEnd type="triangle"/>
+            <a:tailEnd type="triangle"/>
+          </a:ln>
+        </p:spPr>
+        <p:style>
+          <a:lnRef idx="1">
+            <a:schemeClr val="accent1"/>
+          </a:lnRef>
+          <a:fillRef idx="0">
+            <a:schemeClr val="accent1"/>
+          </a:fillRef>
+          <a:effectRef idx="0">
+            <a:schemeClr val="accent1"/>
+          </a:effectRef>
+          <a:fontRef idx="minor">
+            <a:schemeClr val="tx1"/>
+          </a:fontRef>
+        </p:style>
+      </p:cxnSp>
+      <p:sp>
+        <p:nvSpPr>
+          <p:cNvPr id="20" name="Tekstvak 19"/>
+          <p:cNvSpPr txBox="1"/>
+          <p:nvPr/>
+        </p:nvSpPr>
+        <p:spPr>
+          <a:xfrm>
+            <a:off x="2483768" y="3943171"/>
+            <a:ext cx="3024336" cy="1200329"/>
+          </a:xfrm>
+          <a:prstGeom prst="rect">
+            <a:avLst/>
+          </a:prstGeom>
+          <a:noFill/>
+        </p:spPr>
+        <p:txBody>
+          <a:bodyPr wrap="square" rtlCol="0">
+            <a:spAutoFit/>
+          </a:bodyPr>
+          <a:lstStyle/>
+          <a:p>
+            <a:r>
+              <a:rPr lang="en-US" dirty="0" smtClean="0"/>
+              <a:t>Note that every definition on the left has a line on the right. Note that the directions are counter intuitive.</a:t>
+            </a:r>
             <a:endParaRPr lang="nl-NL" dirty="0"/>
           </a:p>
         </p:txBody>
@@ -4593,7 +5143,7 @@
           <a:p>
             <a:r>
               <a:rPr lang="en-US" dirty="0" smtClean="0"/>
-              <a:t>The first thing – as always</a:t>
+              <a:t>Let’s wire the board …</a:t>
             </a:r>
             <a:endParaRPr lang="nl-NL" dirty="0"/>
           </a:p>
@@ -4609,29 +5159,251 @@
             <p:ph idx="1"/>
           </p:nvPr>
         </p:nvSpPr>
-        <p:spPr/>
-        <p:txBody>
-          <a:bodyPr/>
-          <a:lstStyle/>
-          <a:p>
-            <a:r>
-              <a:rPr lang="en-US" dirty="0" smtClean="0"/>
-              <a:t>Get the “Hello World” experience</a:t>
-            </a:r>
-            <a:endParaRPr lang="nl-NL" dirty="0" smtClean="0"/>
+        <p:spPr>
+          <a:xfrm>
+            <a:off x="5508104" y="1200151"/>
+            <a:ext cx="3178696" cy="3394472"/>
+          </a:xfrm>
+        </p:spPr>
+        <p:txBody>
+          <a:bodyPr>
+            <a:normAutofit fontScale="70000" lnSpcReduction="20000"/>
+          </a:bodyPr>
+          <a:lstStyle/>
+          <a:p>
+            <a:pPr>
+              <a:buNone/>
+            </a:pPr>
+            <a:r>
+              <a:rPr lang="en-US" b="1" dirty="0" smtClean="0"/>
+              <a:t>See diagram on the next page</a:t>
+            </a:r>
+          </a:p>
+          <a:p>
+            <a:r>
+              <a:rPr lang="en-US" dirty="0" smtClean="0"/>
+              <a:t>Wire +5V to the + rail at the bottom</a:t>
+            </a:r>
+          </a:p>
+          <a:p>
+            <a:r>
+              <a:rPr lang="en-US" dirty="0" smtClean="0"/>
+              <a:t>Wire GND to the – rail at the bottom</a:t>
+            </a:r>
+          </a:p>
+          <a:p>
+            <a:r>
+              <a:rPr lang="en-US" dirty="0" smtClean="0"/>
+              <a:t>Wire a red LED to pin 4.</a:t>
+            </a:r>
           </a:p>
           <a:p>
             <a:pPr lvl="1"/>
             <a:r>
               <a:rPr lang="en-US" dirty="0" smtClean="0"/>
-              <a:t>Get something working so that you see it is worth continuing</a:t>
-            </a:r>
-          </a:p>
-          <a:p>
+              <a:t>Pin 4 </a:t>
+            </a:r>
+            <a:r>
+              <a:rPr lang="en-US" dirty="0" smtClean="0">
+                <a:sym typeface="Wingdings" pitchFamily="2" charset="2"/>
+              </a:rPr>
+              <a:t> 200 Ohm resistor  GND (minus)</a:t>
+            </a:r>
             <a:endParaRPr lang="en-US" dirty="0" smtClean="0"/>
           </a:p>
-        </p:txBody>
-      </p:sp>
+          <a:p>
+            <a:r>
+              <a:rPr lang="en-US" dirty="0" smtClean="0"/>
+              <a:t>Wire another LED (we use blue) to pin 7.</a:t>
+            </a:r>
+          </a:p>
+          <a:p>
+            <a:pPr lvl="1"/>
+            <a:r>
+              <a:rPr lang="en-US" dirty="0" smtClean="0"/>
+              <a:t>Pin 7 </a:t>
+            </a:r>
+            <a:r>
+              <a:rPr lang="en-US" dirty="0" smtClean="0">
+                <a:sym typeface="Wingdings" pitchFamily="2" charset="2"/>
+              </a:rPr>
+              <a:t> 200 Ohm resistor  </a:t>
+            </a:r>
+            <a:br>
+              <a:rPr lang="en-US" dirty="0" smtClean="0">
+                <a:sym typeface="Wingdings" pitchFamily="2" charset="2"/>
+              </a:rPr>
+            </a:br>
+            <a:r>
+              <a:rPr lang="en-US" dirty="0" smtClean="0">
+                <a:sym typeface="Wingdings" pitchFamily="2" charset="2"/>
+              </a:rPr>
+              <a:t>- (minus) rail</a:t>
+            </a:r>
+            <a:endParaRPr lang="en-US" dirty="0" smtClean="0"/>
+          </a:p>
+          <a:p>
+            <a:r>
+              <a:rPr lang="en-US" dirty="0" smtClean="0"/>
+              <a:t>Wire a button to pin 3.</a:t>
+            </a:r>
+          </a:p>
+          <a:p>
+            <a:pPr lvl="1"/>
+            <a:r>
+              <a:rPr lang="en-US" dirty="0" smtClean="0"/>
+              <a:t>Pin 3 </a:t>
+            </a:r>
+            <a:r>
+              <a:rPr lang="en-US" dirty="0" smtClean="0">
+                <a:sym typeface="Wingdings" pitchFamily="2" charset="2"/>
+              </a:rPr>
+              <a:t> 1 </a:t>
+            </a:r>
+            <a:r>
+              <a:rPr lang="en-US" dirty="0" err="1" smtClean="0">
+                <a:sym typeface="Wingdings" pitchFamily="2" charset="2"/>
+              </a:rPr>
+              <a:t>kOhm</a:t>
+            </a:r>
+            <a:r>
+              <a:rPr lang="en-US" dirty="0" smtClean="0">
+                <a:sym typeface="Wingdings" pitchFamily="2" charset="2"/>
+              </a:rPr>
+              <a:t> resistor  GND (minus)</a:t>
+            </a:r>
+            <a:endParaRPr lang="nl-NL" dirty="0"/>
+          </a:p>
+        </p:txBody>
+      </p:sp>
+      <p:pic>
+        <p:nvPicPr>
+          <p:cNvPr id="4" name="Picture 3" descr="Y:\2017-01-14-042827_920x567_scrot.png"/>
+          <p:cNvPicPr>
+            <a:picLocks noChangeAspect="1" noChangeArrowheads="1"/>
+          </p:cNvPicPr>
+          <p:nvPr/>
+        </p:nvPicPr>
+        <p:blipFill>
+          <a:blip r:embed="rId2" cstate="print"/>
+          <a:srcRect/>
+          <a:stretch>
+            <a:fillRect/>
+          </a:stretch>
+        </p:blipFill>
+        <p:spPr bwMode="auto">
+          <a:xfrm>
+            <a:off x="0" y="1059582"/>
+            <a:ext cx="5491404" cy="3384376"/>
+          </a:xfrm>
+          <a:prstGeom prst="rect">
+            <a:avLst/>
+          </a:prstGeom>
+          <a:noFill/>
+        </p:spPr>
+      </p:pic>
+      <p:cxnSp>
+        <p:nvCxnSpPr>
+          <p:cNvPr id="5" name="Rechte verbindingslijn met pijl 4"/>
+          <p:cNvCxnSpPr/>
+          <p:nvPr/>
+        </p:nvCxnSpPr>
+        <p:spPr>
+          <a:xfrm>
+            <a:off x="2195736" y="1347614"/>
+            <a:ext cx="3384376" cy="1152128"/>
+          </a:xfrm>
+          <a:prstGeom prst="straightConnector1">
+            <a:avLst/>
+          </a:prstGeom>
+          <a:ln w="38100">
+            <a:headEnd type="triangle"/>
+            <a:tailEnd type="triangle"/>
+          </a:ln>
+        </p:spPr>
+        <p:style>
+          <a:lnRef idx="1">
+            <a:schemeClr val="accent1"/>
+          </a:lnRef>
+          <a:fillRef idx="0">
+            <a:schemeClr val="accent1"/>
+          </a:fillRef>
+          <a:effectRef idx="0">
+            <a:schemeClr val="accent1"/>
+          </a:effectRef>
+          <a:fontRef idx="minor">
+            <a:schemeClr val="tx1"/>
+          </a:fontRef>
+        </p:style>
+      </p:cxnSp>
+      <p:cxnSp>
+        <p:nvCxnSpPr>
+          <p:cNvPr id="8" name="Rechte verbindingslijn met pijl 7"/>
+          <p:cNvCxnSpPr/>
+          <p:nvPr/>
+        </p:nvCxnSpPr>
+        <p:spPr>
+          <a:xfrm>
+            <a:off x="2267744" y="1851670"/>
+            <a:ext cx="3312368" cy="1224136"/>
+          </a:xfrm>
+          <a:prstGeom prst="straightConnector1">
+            <a:avLst/>
+          </a:prstGeom>
+          <a:ln w="38100">
+            <a:headEnd type="triangle"/>
+            <a:tailEnd type="triangle"/>
+          </a:ln>
+        </p:spPr>
+        <p:style>
+          <a:lnRef idx="1">
+            <a:schemeClr val="accent1"/>
+          </a:lnRef>
+          <a:fillRef idx="0">
+            <a:schemeClr val="accent1"/>
+          </a:fillRef>
+          <a:effectRef idx="0">
+            <a:schemeClr val="accent1"/>
+          </a:effectRef>
+          <a:fontRef idx="minor">
+            <a:schemeClr val="tx1"/>
+          </a:fontRef>
+        </p:style>
+      </p:cxnSp>
+      <p:cxnSp>
+        <p:nvCxnSpPr>
+          <p:cNvPr id="12" name="Rechte verbindingslijn met pijl 11"/>
+          <p:cNvCxnSpPr/>
+          <p:nvPr/>
+        </p:nvCxnSpPr>
+        <p:spPr>
+          <a:xfrm flipV="1">
+            <a:off x="2483768" y="4011910"/>
+            <a:ext cx="3096344" cy="72008"/>
+          </a:xfrm>
+          <a:prstGeom prst="straightConnector1">
+            <a:avLst/>
+          </a:prstGeom>
+          <a:ln w="38100">
+            <a:headEnd type="triangle"/>
+            <a:tailEnd type="triangle"/>
+          </a:ln>
+        </p:spPr>
+        <p:style>
+          <a:lnRef idx="1">
+            <a:schemeClr val="accent1"/>
+          </a:lnRef>
+          <a:fillRef idx="0">
+            <a:schemeClr val="accent1"/>
+          </a:fillRef>
+          <a:effectRef idx="0">
+            <a:schemeClr val="accent1"/>
+          </a:effectRef>
+          <a:fontRef idx="minor">
+            <a:schemeClr val="tx1"/>
+          </a:fontRef>
+        </p:style>
+      </p:cxnSp>
     </p:spTree>
   </p:cSld>
   <p:clrMapOvr>
@@ -4657,6 +5429,32 @@
           <a:chExt cx="0" cy="0"/>
         </a:xfrm>
       </p:grpSpPr>
+      <p:pic>
+        <p:nvPicPr>
+          <p:cNvPr id="5123" name="Picture 3" descr="C:\Users\M5810video\Documents\Weekendschool\Pi And More\PiAndMore WS stap 1_bb.png"/>
+          <p:cNvPicPr>
+            <a:picLocks noChangeAspect="1" noChangeArrowheads="1"/>
+          </p:cNvPicPr>
+          <p:nvPr/>
+        </p:nvPicPr>
+        <p:blipFill>
+          <a:blip r:embed="rId2" cstate="print"/>
+          <a:srcRect/>
+          <a:stretch>
+            <a:fillRect/>
+          </a:stretch>
+        </p:blipFill>
+        <p:spPr bwMode="auto">
+          <a:xfrm>
+            <a:off x="467544" y="1491630"/>
+            <a:ext cx="4816476" cy="3332162"/>
+          </a:xfrm>
+          <a:prstGeom prst="rect">
+            <a:avLst/>
+          </a:prstGeom>
+          <a:noFill/>
+        </p:spPr>
+      </p:pic>
       <p:sp>
         <p:nvSpPr>
           <p:cNvPr id="2" name="Titel 1"/>
@@ -4669,32 +5467,212 @@
         </p:nvSpPr>
         <p:spPr/>
         <p:txBody>
-          <a:bodyPr/>
-          <a:lstStyle/>
-          <a:p>
-            <a:r>
-              <a:rPr lang="en-US" dirty="0" smtClean="0"/>
-              <a:t>Digital Output</a:t>
+          <a:bodyPr>
+            <a:normAutofit/>
+          </a:bodyPr>
+          <a:lstStyle/>
+          <a:p>
+            <a:r>
+              <a:rPr lang="en-US" dirty="0" smtClean="0"/>
+              <a:t>First step: red LED and + and -</a:t>
             </a:r>
             <a:endParaRPr lang="nl-NL" dirty="0"/>
           </a:p>
         </p:txBody>
       </p:sp>
-      <p:sp>
-        <p:nvSpPr>
-          <p:cNvPr id="3" name="Tijdelijke aanduiding voor inhoud 2"/>
-          <p:cNvSpPr>
-            <a:spLocks noGrp="1"/>
-          </p:cNvSpPr>
-          <p:nvPr>
-            <p:ph idx="1"/>
-          </p:nvPr>
-        </p:nvSpPr>
-        <p:spPr/>
-        <p:txBody>
-          <a:bodyPr/>
-          <a:lstStyle/>
-          <a:p>
+      <p:pic>
+        <p:nvPicPr>
+          <p:cNvPr id="5" name="Picture 2" descr="C:\Users\M5810video\Documents\Weekendschool\Pi And More\Funduino shield.JPG"/>
+          <p:cNvPicPr>
+            <a:picLocks noChangeAspect="1" noChangeArrowheads="1"/>
+          </p:cNvPicPr>
+          <p:nvPr/>
+        </p:nvPicPr>
+        <p:blipFill>
+          <a:blip r:embed="rId3" cstate="print"/>
+          <a:srcRect/>
+          <a:stretch>
+            <a:fillRect/>
+          </a:stretch>
+        </p:blipFill>
+        <p:spPr bwMode="auto">
+          <a:xfrm rot="10800000">
+            <a:off x="5436096" y="1131590"/>
+            <a:ext cx="3495367" cy="3071044"/>
+          </a:xfrm>
+          <a:prstGeom prst="rect">
+            <a:avLst/>
+          </a:prstGeom>
+          <a:noFill/>
+        </p:spPr>
+      </p:pic>
+      <p:cxnSp>
+        <p:nvCxnSpPr>
+          <p:cNvPr id="7" name="Rechte verbindingslijn 6"/>
+          <p:cNvCxnSpPr/>
+          <p:nvPr/>
+        </p:nvCxnSpPr>
+        <p:spPr>
+          <a:xfrm flipV="1">
+            <a:off x="3275856" y="3795886"/>
+            <a:ext cx="2664296" cy="720080"/>
+          </a:xfrm>
+          <a:prstGeom prst="line">
+            <a:avLst/>
+          </a:prstGeom>
+          <a:ln w="41275">
+            <a:solidFill>
+              <a:schemeClr val="tx1"/>
+            </a:solidFill>
+          </a:ln>
+        </p:spPr>
+        <p:style>
+          <a:lnRef idx="1">
+            <a:schemeClr val="accent1"/>
+          </a:lnRef>
+          <a:fillRef idx="0">
+            <a:schemeClr val="accent1"/>
+          </a:fillRef>
+          <a:effectRef idx="0">
+            <a:schemeClr val="accent1"/>
+          </a:effectRef>
+          <a:fontRef idx="minor">
+            <a:schemeClr val="tx1"/>
+          </a:fontRef>
+        </p:style>
+      </p:cxnSp>
+      <p:cxnSp>
+        <p:nvCxnSpPr>
+          <p:cNvPr id="8" name="Rechte verbindingslijn 7"/>
+          <p:cNvCxnSpPr/>
+          <p:nvPr/>
+        </p:nvCxnSpPr>
+        <p:spPr>
+          <a:xfrm flipV="1">
+            <a:off x="3275856" y="3651870"/>
+            <a:ext cx="2592288" cy="751830"/>
+          </a:xfrm>
+          <a:prstGeom prst="line">
+            <a:avLst/>
+          </a:prstGeom>
+          <a:ln w="41275">
+            <a:solidFill>
+              <a:srgbClr val="FF0000"/>
+            </a:solidFill>
+          </a:ln>
+        </p:spPr>
+        <p:style>
+          <a:lnRef idx="1">
+            <a:schemeClr val="accent1"/>
+          </a:lnRef>
+          <a:fillRef idx="0">
+            <a:schemeClr val="accent1"/>
+          </a:fillRef>
+          <a:effectRef idx="0">
+            <a:schemeClr val="accent1"/>
+          </a:effectRef>
+          <a:fontRef idx="minor">
+            <a:schemeClr val="tx1"/>
+          </a:fontRef>
+        </p:style>
+      </p:cxnSp>
+      <p:sp>
+        <p:nvSpPr>
+          <p:cNvPr id="13" name="Vrije vorm 12"/>
+          <p:cNvSpPr/>
+          <p:nvPr/>
+        </p:nvSpPr>
+        <p:spPr>
+          <a:xfrm>
+            <a:off x="1739900" y="2298700"/>
+            <a:ext cx="5199592" cy="1479550"/>
+          </a:xfrm>
+          <a:custGeom>
+            <a:avLst/>
+            <a:gdLst>
+              <a:gd name="connsiteX0" fmla="*/ 0 w 5199592"/>
+              <a:gd name="connsiteY0" fmla="*/ 1479550 h 1479550"/>
+              <a:gd name="connsiteX1" fmla="*/ 1682750 w 5199592"/>
+              <a:gd name="connsiteY1" fmla="*/ 215900 h 1479550"/>
+              <a:gd name="connsiteX2" fmla="*/ 3422650 w 5199592"/>
+              <a:gd name="connsiteY2" fmla="*/ 184150 h 1479550"/>
+              <a:gd name="connsiteX3" fmla="*/ 4959350 w 5199592"/>
+              <a:gd name="connsiteY3" fmla="*/ 615950 h 1479550"/>
+              <a:gd name="connsiteX4" fmla="*/ 4864100 w 5199592"/>
+              <a:gd name="connsiteY4" fmla="*/ 1212850 h 1479550"/>
+            </a:gdLst>
+            <a:ahLst/>
+            <a:cxnLst>
+              <a:cxn ang="0">
+                <a:pos x="connsiteX0" y="connsiteY0"/>
+              </a:cxn>
+              <a:cxn ang="0">
+                <a:pos x="connsiteX1" y="connsiteY1"/>
+              </a:cxn>
+              <a:cxn ang="0">
+                <a:pos x="connsiteX2" y="connsiteY2"/>
+              </a:cxn>
+              <a:cxn ang="0">
+                <a:pos x="connsiteX3" y="connsiteY3"/>
+              </a:cxn>
+              <a:cxn ang="0">
+                <a:pos x="connsiteX4" y="connsiteY4"/>
+              </a:cxn>
+            </a:cxnLst>
+            <a:rect l="l" t="t" r="r" b="b"/>
+            <a:pathLst>
+              <a:path w="5199592" h="1479550">
+                <a:moveTo>
+                  <a:pt x="0" y="1479550"/>
+                </a:moveTo>
+                <a:cubicBezTo>
+                  <a:pt x="556154" y="955675"/>
+                  <a:pt x="1112308" y="431800"/>
+                  <a:pt x="1682750" y="215900"/>
+                </a:cubicBezTo>
+                <a:cubicBezTo>
+                  <a:pt x="2253192" y="0"/>
+                  <a:pt x="2876550" y="117475"/>
+                  <a:pt x="3422650" y="184150"/>
+                </a:cubicBezTo>
+                <a:cubicBezTo>
+                  <a:pt x="3968750" y="250825"/>
+                  <a:pt x="4719108" y="444500"/>
+                  <a:pt x="4959350" y="615950"/>
+                </a:cubicBezTo>
+                <a:cubicBezTo>
+                  <a:pt x="5199592" y="787400"/>
+                  <a:pt x="5031846" y="1000125"/>
+                  <a:pt x="4864100" y="1212850"/>
+                </a:cubicBezTo>
+              </a:path>
+            </a:pathLst>
+          </a:custGeom>
+          <a:ln w="38100">
+            <a:solidFill>
+              <a:srgbClr val="7030A0"/>
+            </a:solidFill>
+          </a:ln>
+        </p:spPr>
+        <p:style>
+          <a:lnRef idx="1">
+            <a:schemeClr val="accent1"/>
+          </a:lnRef>
+          <a:fillRef idx="0">
+            <a:schemeClr val="accent1"/>
+          </a:fillRef>
+          <a:effectRef idx="0">
+            <a:schemeClr val="accent1"/>
+          </a:effectRef>
+          <a:fontRef idx="minor">
+            <a:schemeClr val="tx1"/>
+          </a:fontRef>
+        </p:style>
+        <p:txBody>
+          <a:bodyPr rtlCol="0" anchor="ctr"/>
+          <a:lstStyle/>
+          <a:p>
+            <a:pPr algn="ctr"/>
             <a:endParaRPr lang="nl-NL"/>
           </a:p>
         </p:txBody>
@@ -4736,33 +5714,504 @@
         </p:nvSpPr>
         <p:spPr/>
         <p:txBody>
-          <a:bodyPr/>
-          <a:lstStyle/>
-          <a:p>
-            <a:r>
-              <a:rPr lang="en-US" dirty="0" smtClean="0"/>
-              <a:t>Digital Input</a:t>
+          <a:bodyPr>
+            <a:normAutofit fontScale="90000"/>
+          </a:bodyPr>
+          <a:lstStyle/>
+          <a:p>
+            <a:r>
+              <a:rPr lang="en-US" dirty="0" smtClean="0"/>
+              <a:t>Second step: add button and blue LED</a:t>
             </a:r>
             <a:endParaRPr lang="nl-NL" dirty="0"/>
           </a:p>
         </p:txBody>
       </p:sp>
-      <p:sp>
-        <p:nvSpPr>
-          <p:cNvPr id="3" name="Tijdelijke aanduiding voor inhoud 2"/>
-          <p:cNvSpPr>
-            <a:spLocks noGrp="1"/>
-          </p:cNvSpPr>
-          <p:nvPr>
-            <p:ph idx="1"/>
-          </p:nvPr>
-        </p:nvSpPr>
-        <p:spPr/>
-        <p:txBody>
-          <a:bodyPr/>
-          <a:lstStyle/>
-          <a:p>
+      <p:pic>
+        <p:nvPicPr>
+          <p:cNvPr id="4098" name="Picture 2" descr="C:\Users\M5810video\Documents\Weekendschool\Pi And More\PiAndMore WS 1_bb.png"/>
+          <p:cNvPicPr>
+            <a:picLocks noChangeAspect="1" noChangeArrowheads="1"/>
+          </p:cNvPicPr>
+          <p:nvPr/>
+        </p:nvPicPr>
+        <p:blipFill>
+          <a:blip r:embed="rId2" cstate="print"/>
+          <a:srcRect/>
+          <a:stretch>
+            <a:fillRect/>
+          </a:stretch>
+        </p:blipFill>
+        <p:spPr bwMode="auto">
+          <a:xfrm>
+            <a:off x="467544" y="1491630"/>
+            <a:ext cx="4816476" cy="3332162"/>
+          </a:xfrm>
+          <a:prstGeom prst="rect">
+            <a:avLst/>
+          </a:prstGeom>
+          <a:noFill/>
+        </p:spPr>
+      </p:pic>
+      <p:pic>
+        <p:nvPicPr>
+          <p:cNvPr id="5" name="Picture 2" descr="C:\Users\M5810video\Documents\Weekendschool\Pi And More\Funduino shield.JPG"/>
+          <p:cNvPicPr>
+            <a:picLocks noChangeAspect="1" noChangeArrowheads="1"/>
+          </p:cNvPicPr>
+          <p:nvPr/>
+        </p:nvPicPr>
+        <p:blipFill>
+          <a:blip r:embed="rId3" cstate="print"/>
+          <a:srcRect/>
+          <a:stretch>
+            <a:fillRect/>
+          </a:stretch>
+        </p:blipFill>
+        <p:spPr bwMode="auto">
+          <a:xfrm rot="10800000">
+            <a:off x="5436096" y="1131590"/>
+            <a:ext cx="3495367" cy="3071044"/>
+          </a:xfrm>
+          <a:prstGeom prst="rect">
+            <a:avLst/>
+          </a:prstGeom>
+          <a:noFill/>
+        </p:spPr>
+      </p:pic>
+      <p:cxnSp>
+        <p:nvCxnSpPr>
+          <p:cNvPr id="7" name="Rechte verbindingslijn 6"/>
+          <p:cNvCxnSpPr/>
+          <p:nvPr/>
+        </p:nvCxnSpPr>
+        <p:spPr>
+          <a:xfrm flipV="1">
+            <a:off x="3275856" y="3795886"/>
+            <a:ext cx="2664296" cy="720080"/>
+          </a:xfrm>
+          <a:prstGeom prst="line">
+            <a:avLst/>
+          </a:prstGeom>
+          <a:ln w="41275">
+            <a:solidFill>
+              <a:schemeClr val="tx1"/>
+            </a:solidFill>
+          </a:ln>
+        </p:spPr>
+        <p:style>
+          <a:lnRef idx="1">
+            <a:schemeClr val="accent1"/>
+          </a:lnRef>
+          <a:fillRef idx="0">
+            <a:schemeClr val="accent1"/>
+          </a:fillRef>
+          <a:effectRef idx="0">
+            <a:schemeClr val="accent1"/>
+          </a:effectRef>
+          <a:fontRef idx="minor">
+            <a:schemeClr val="tx1"/>
+          </a:fontRef>
+        </p:style>
+      </p:cxnSp>
+      <p:cxnSp>
+        <p:nvCxnSpPr>
+          <p:cNvPr id="8" name="Rechte verbindingslijn 7"/>
+          <p:cNvCxnSpPr/>
+          <p:nvPr/>
+        </p:nvCxnSpPr>
+        <p:spPr>
+          <a:xfrm flipV="1">
+            <a:off x="3275856" y="3651870"/>
+            <a:ext cx="2592288" cy="751830"/>
+          </a:xfrm>
+          <a:prstGeom prst="line">
+            <a:avLst/>
+          </a:prstGeom>
+          <a:ln w="41275">
+            <a:solidFill>
+              <a:srgbClr val="FF0000"/>
+            </a:solidFill>
+          </a:ln>
+        </p:spPr>
+        <p:style>
+          <a:lnRef idx="1">
+            <a:schemeClr val="accent1"/>
+          </a:lnRef>
+          <a:fillRef idx="0">
+            <a:schemeClr val="accent1"/>
+          </a:fillRef>
+          <a:effectRef idx="0">
+            <a:schemeClr val="accent1"/>
+          </a:effectRef>
+          <a:fontRef idx="minor">
+            <a:schemeClr val="tx1"/>
+          </a:fontRef>
+        </p:style>
+      </p:cxnSp>
+      <p:sp>
+        <p:nvSpPr>
+          <p:cNvPr id="12" name="Vrije vorm 11"/>
+          <p:cNvSpPr/>
+          <p:nvPr/>
+        </p:nvSpPr>
+        <p:spPr>
+          <a:xfrm>
+            <a:off x="3308350" y="3180292"/>
+            <a:ext cx="3150658" cy="585258"/>
+          </a:xfrm>
+          <a:custGeom>
+            <a:avLst/>
+            <a:gdLst>
+              <a:gd name="connsiteX0" fmla="*/ 0 w 3150658"/>
+              <a:gd name="connsiteY0" fmla="*/ 585258 h 585258"/>
+              <a:gd name="connsiteX1" fmla="*/ 444500 w 3150658"/>
+              <a:gd name="connsiteY1" fmla="*/ 343958 h 585258"/>
+              <a:gd name="connsiteX2" fmla="*/ 2006600 w 3150658"/>
+              <a:gd name="connsiteY2" fmla="*/ 39158 h 585258"/>
+              <a:gd name="connsiteX3" fmla="*/ 2978150 w 3150658"/>
+              <a:gd name="connsiteY3" fmla="*/ 109008 h 585258"/>
+              <a:gd name="connsiteX4" fmla="*/ 3041650 w 3150658"/>
+              <a:gd name="connsiteY4" fmla="*/ 343958 h 585258"/>
+            </a:gdLst>
+            <a:ahLst/>
+            <a:cxnLst>
+              <a:cxn ang="0">
+                <a:pos x="connsiteX0" y="connsiteY0"/>
+              </a:cxn>
+              <a:cxn ang="0">
+                <a:pos x="connsiteX1" y="connsiteY1"/>
+              </a:cxn>
+              <a:cxn ang="0">
+                <a:pos x="connsiteX2" y="connsiteY2"/>
+              </a:cxn>
+              <a:cxn ang="0">
+                <a:pos x="connsiteX3" y="connsiteY3"/>
+              </a:cxn>
+              <a:cxn ang="0">
+                <a:pos x="connsiteX4" y="connsiteY4"/>
+              </a:cxn>
+            </a:cxnLst>
+            <a:rect l="l" t="t" r="r" b="b"/>
+            <a:pathLst>
+              <a:path w="3150658" h="585258">
+                <a:moveTo>
+                  <a:pt x="0" y="585258"/>
+                </a:moveTo>
+                <a:cubicBezTo>
+                  <a:pt x="55033" y="510116"/>
+                  <a:pt x="110067" y="434975"/>
+                  <a:pt x="444500" y="343958"/>
+                </a:cubicBezTo>
+                <a:cubicBezTo>
+                  <a:pt x="778933" y="252941"/>
+                  <a:pt x="1584325" y="78316"/>
+                  <a:pt x="2006600" y="39158"/>
+                </a:cubicBezTo>
+                <a:cubicBezTo>
+                  <a:pt x="2428875" y="0"/>
+                  <a:pt x="2805642" y="58208"/>
+                  <a:pt x="2978150" y="109008"/>
+                </a:cubicBezTo>
+                <a:cubicBezTo>
+                  <a:pt x="3150658" y="159808"/>
+                  <a:pt x="3096154" y="251883"/>
+                  <a:pt x="3041650" y="343958"/>
+                </a:cubicBezTo>
+              </a:path>
+            </a:pathLst>
+          </a:custGeom>
+          <a:ln w="38100">
+            <a:solidFill>
+              <a:srgbClr val="00CC66"/>
+            </a:solidFill>
+          </a:ln>
+        </p:spPr>
+        <p:style>
+          <a:lnRef idx="1">
+            <a:schemeClr val="accent1"/>
+          </a:lnRef>
+          <a:fillRef idx="0">
+            <a:schemeClr val="accent1"/>
+          </a:fillRef>
+          <a:effectRef idx="0">
+            <a:schemeClr val="accent1"/>
+          </a:effectRef>
+          <a:fontRef idx="minor">
+            <a:schemeClr val="tx1"/>
+          </a:fontRef>
+        </p:style>
+        <p:txBody>
+          <a:bodyPr rtlCol="0" anchor="ctr"/>
+          <a:lstStyle/>
+          <a:p>
+            <a:pPr algn="ctr"/>
             <a:endParaRPr lang="nl-NL"/>
+          </a:p>
+        </p:txBody>
+      </p:sp>
+      <p:sp>
+        <p:nvSpPr>
+          <p:cNvPr id="13" name="Vrije vorm 12"/>
+          <p:cNvSpPr/>
+          <p:nvPr/>
+        </p:nvSpPr>
+        <p:spPr>
+          <a:xfrm>
+            <a:off x="1739900" y="2298700"/>
+            <a:ext cx="5199592" cy="1479550"/>
+          </a:xfrm>
+          <a:custGeom>
+            <a:avLst/>
+            <a:gdLst>
+              <a:gd name="connsiteX0" fmla="*/ 0 w 5199592"/>
+              <a:gd name="connsiteY0" fmla="*/ 1479550 h 1479550"/>
+              <a:gd name="connsiteX1" fmla="*/ 1682750 w 5199592"/>
+              <a:gd name="connsiteY1" fmla="*/ 215900 h 1479550"/>
+              <a:gd name="connsiteX2" fmla="*/ 3422650 w 5199592"/>
+              <a:gd name="connsiteY2" fmla="*/ 184150 h 1479550"/>
+              <a:gd name="connsiteX3" fmla="*/ 4959350 w 5199592"/>
+              <a:gd name="connsiteY3" fmla="*/ 615950 h 1479550"/>
+              <a:gd name="connsiteX4" fmla="*/ 4864100 w 5199592"/>
+              <a:gd name="connsiteY4" fmla="*/ 1212850 h 1479550"/>
+            </a:gdLst>
+            <a:ahLst/>
+            <a:cxnLst>
+              <a:cxn ang="0">
+                <a:pos x="connsiteX0" y="connsiteY0"/>
+              </a:cxn>
+              <a:cxn ang="0">
+                <a:pos x="connsiteX1" y="connsiteY1"/>
+              </a:cxn>
+              <a:cxn ang="0">
+                <a:pos x="connsiteX2" y="connsiteY2"/>
+              </a:cxn>
+              <a:cxn ang="0">
+                <a:pos x="connsiteX3" y="connsiteY3"/>
+              </a:cxn>
+              <a:cxn ang="0">
+                <a:pos x="connsiteX4" y="connsiteY4"/>
+              </a:cxn>
+            </a:cxnLst>
+            <a:rect l="l" t="t" r="r" b="b"/>
+            <a:pathLst>
+              <a:path w="5199592" h="1479550">
+                <a:moveTo>
+                  <a:pt x="0" y="1479550"/>
+                </a:moveTo>
+                <a:cubicBezTo>
+                  <a:pt x="556154" y="955675"/>
+                  <a:pt x="1112308" y="431800"/>
+                  <a:pt x="1682750" y="215900"/>
+                </a:cubicBezTo>
+                <a:cubicBezTo>
+                  <a:pt x="2253192" y="0"/>
+                  <a:pt x="2876550" y="117475"/>
+                  <a:pt x="3422650" y="184150"/>
+                </a:cubicBezTo>
+                <a:cubicBezTo>
+                  <a:pt x="3968750" y="250825"/>
+                  <a:pt x="4719108" y="444500"/>
+                  <a:pt x="4959350" y="615950"/>
+                </a:cubicBezTo>
+                <a:cubicBezTo>
+                  <a:pt x="5199592" y="787400"/>
+                  <a:pt x="5031846" y="1000125"/>
+                  <a:pt x="4864100" y="1212850"/>
+                </a:cubicBezTo>
+              </a:path>
+            </a:pathLst>
+          </a:custGeom>
+          <a:ln w="38100">
+            <a:solidFill>
+              <a:srgbClr val="7030A0"/>
+            </a:solidFill>
+          </a:ln>
+        </p:spPr>
+        <p:style>
+          <a:lnRef idx="1">
+            <a:schemeClr val="accent1"/>
+          </a:lnRef>
+          <a:fillRef idx="0">
+            <a:schemeClr val="accent1"/>
+          </a:fillRef>
+          <a:effectRef idx="0">
+            <a:schemeClr val="accent1"/>
+          </a:effectRef>
+          <a:fontRef idx="minor">
+            <a:schemeClr val="tx1"/>
+          </a:fontRef>
+        </p:style>
+        <p:txBody>
+          <a:bodyPr rtlCol="0" anchor="ctr"/>
+          <a:lstStyle/>
+          <a:p>
+            <a:pPr algn="ctr"/>
+            <a:endParaRPr lang="nl-NL"/>
+          </a:p>
+        </p:txBody>
+      </p:sp>
+      <p:sp>
+        <p:nvSpPr>
+          <p:cNvPr id="14" name="Vrije vorm 13"/>
+          <p:cNvSpPr/>
+          <p:nvPr/>
+        </p:nvSpPr>
+        <p:spPr>
+          <a:xfrm>
+            <a:off x="2730500" y="1771650"/>
+            <a:ext cx="4330700" cy="1974850"/>
+          </a:xfrm>
+          <a:custGeom>
+            <a:avLst/>
+            <a:gdLst>
+              <a:gd name="connsiteX0" fmla="*/ 0 w 4330700"/>
+              <a:gd name="connsiteY0" fmla="*/ 1974850 h 1974850"/>
+              <a:gd name="connsiteX1" fmla="*/ 1574800 w 4330700"/>
+              <a:gd name="connsiteY1" fmla="*/ 260350 h 1974850"/>
+              <a:gd name="connsiteX2" fmla="*/ 3219450 w 4330700"/>
+              <a:gd name="connsiteY2" fmla="*/ 412750 h 1974850"/>
+              <a:gd name="connsiteX3" fmla="*/ 4140200 w 4330700"/>
+              <a:gd name="connsiteY3" fmla="*/ 1104900 h 1974850"/>
+              <a:gd name="connsiteX4" fmla="*/ 4330700 w 4330700"/>
+              <a:gd name="connsiteY4" fmla="*/ 1771650 h 1974850"/>
+            </a:gdLst>
+            <a:ahLst/>
+            <a:cxnLst>
+              <a:cxn ang="0">
+                <a:pos x="connsiteX0" y="connsiteY0"/>
+              </a:cxn>
+              <a:cxn ang="0">
+                <a:pos x="connsiteX1" y="connsiteY1"/>
+              </a:cxn>
+              <a:cxn ang="0">
+                <a:pos x="connsiteX2" y="connsiteY2"/>
+              </a:cxn>
+              <a:cxn ang="0">
+                <a:pos x="connsiteX3" y="connsiteY3"/>
+              </a:cxn>
+              <a:cxn ang="0">
+                <a:pos x="connsiteX4" y="connsiteY4"/>
+              </a:cxn>
+            </a:cxnLst>
+            <a:rect l="l" t="t" r="r" b="b"/>
+            <a:pathLst>
+              <a:path w="4330700" h="1974850">
+                <a:moveTo>
+                  <a:pt x="0" y="1974850"/>
+                </a:moveTo>
+                <a:cubicBezTo>
+                  <a:pt x="519112" y="1247775"/>
+                  <a:pt x="1038225" y="520700"/>
+                  <a:pt x="1574800" y="260350"/>
+                </a:cubicBezTo>
+                <a:cubicBezTo>
+                  <a:pt x="2111375" y="0"/>
+                  <a:pt x="2791883" y="271992"/>
+                  <a:pt x="3219450" y="412750"/>
+                </a:cubicBezTo>
+                <a:cubicBezTo>
+                  <a:pt x="3647017" y="553508"/>
+                  <a:pt x="3954992" y="878417"/>
+                  <a:pt x="4140200" y="1104900"/>
+                </a:cubicBezTo>
+                <a:cubicBezTo>
+                  <a:pt x="4325408" y="1331383"/>
+                  <a:pt x="4328054" y="1551516"/>
+                  <a:pt x="4330700" y="1771650"/>
+                </a:cubicBezTo>
+              </a:path>
+            </a:pathLst>
+          </a:custGeom>
+          <a:ln w="38100">
+            <a:solidFill>
+              <a:srgbClr val="00CC66"/>
+            </a:solidFill>
+          </a:ln>
+        </p:spPr>
+        <p:style>
+          <a:lnRef idx="1">
+            <a:schemeClr val="accent1"/>
+          </a:lnRef>
+          <a:fillRef idx="0">
+            <a:schemeClr val="accent1"/>
+          </a:fillRef>
+          <a:effectRef idx="0">
+            <a:schemeClr val="accent1"/>
+          </a:effectRef>
+          <a:fontRef idx="minor">
+            <a:schemeClr val="tx1"/>
+          </a:fontRef>
+        </p:style>
+        <p:txBody>
+          <a:bodyPr rtlCol="0" anchor="ctr"/>
+          <a:lstStyle/>
+          <a:p>
+            <a:pPr algn="ctr"/>
+            <a:endParaRPr lang="nl-NL"/>
+          </a:p>
+        </p:txBody>
+      </p:sp>
+      <p:cxnSp>
+        <p:nvCxnSpPr>
+          <p:cNvPr id="16" name="Rechte verbindingslijn met pijl 15"/>
+          <p:cNvCxnSpPr/>
+          <p:nvPr/>
+        </p:nvCxnSpPr>
+        <p:spPr>
+          <a:xfrm flipH="1">
+            <a:off x="3203848" y="1707654"/>
+            <a:ext cx="360040" cy="2376264"/>
+          </a:xfrm>
+          <a:prstGeom prst="straightConnector1">
+            <a:avLst/>
+          </a:prstGeom>
+          <a:ln>
+            <a:tailEnd type="arrow"/>
+          </a:ln>
+        </p:spPr>
+        <p:style>
+          <a:lnRef idx="1">
+            <a:schemeClr val="accent1"/>
+          </a:lnRef>
+          <a:fillRef idx="0">
+            <a:schemeClr val="accent1"/>
+          </a:fillRef>
+          <a:effectRef idx="0">
+            <a:schemeClr val="accent1"/>
+          </a:effectRef>
+          <a:fontRef idx="minor">
+            <a:schemeClr val="tx1"/>
+          </a:fontRef>
+        </p:style>
+      </p:cxnSp>
+      <p:sp>
+        <p:nvSpPr>
+          <p:cNvPr id="17" name="Tekstvak 16"/>
+          <p:cNvSpPr txBox="1"/>
+          <p:nvPr/>
+        </p:nvSpPr>
+        <p:spPr>
+          <a:xfrm>
+            <a:off x="2843808" y="1131590"/>
+            <a:ext cx="1440160" cy="923330"/>
+          </a:xfrm>
+          <a:prstGeom prst="rect">
+            <a:avLst/>
+          </a:prstGeom>
+          <a:noFill/>
+        </p:spPr>
+        <p:txBody>
+          <a:bodyPr wrap="square" rtlCol="0">
+            <a:spAutoFit/>
+          </a:bodyPr>
+          <a:lstStyle/>
+          <a:p>
+            <a:r>
+              <a:rPr lang="en-US" dirty="0" smtClean="0"/>
+              <a:t>This is the very thin resistor</a:t>
+            </a:r>
+            <a:endParaRPr lang="nl-NL" dirty="0"/>
           </a:p>
         </p:txBody>
       </p:sp>
@@ -4808,7 +6257,7 @@
           <a:p>
             <a:r>
               <a:rPr lang="en-US" dirty="0" smtClean="0"/>
-              <a:t>Analog input</a:t>
+              <a:t>Why are these resistors needed?</a:t>
             </a:r>
             <a:endParaRPr lang="nl-NL" dirty="0"/>
           </a:p>
@@ -4826,10 +6275,722 @@
         </p:nvSpPr>
         <p:spPr/>
         <p:txBody>
-          <a:bodyPr/>
-          <a:lstStyle/>
-          <a:p>
+          <a:bodyPr>
+            <a:normAutofit/>
+          </a:bodyPr>
+          <a:lstStyle/>
+          <a:p>
+            <a:r>
+              <a:rPr lang="en-US" sz="2000" dirty="0" smtClean="0"/>
+              <a:t>In series with a LED: to limit the current through the LED</a:t>
+            </a:r>
+          </a:p>
+          <a:p>
+            <a:pPr lvl="1"/>
+            <a:r>
+              <a:rPr lang="en-US" sz="1800" dirty="0" smtClean="0"/>
+              <a:t>You may blow up the LED and/or the </a:t>
+            </a:r>
+            <a:r>
+              <a:rPr lang="en-US" sz="1800" dirty="0" err="1" smtClean="0"/>
+              <a:t>Arduino</a:t>
+            </a:r>
+            <a:r>
+              <a:rPr lang="en-US" sz="1800" dirty="0" smtClean="0"/>
+              <a:t> otherwise.</a:t>
+            </a:r>
+          </a:p>
+          <a:p>
+            <a:r>
+              <a:rPr lang="en-US" sz="2000" dirty="0" smtClean="0"/>
+              <a:t>In series with buttons, potentiometers etc: to avoid blowing up the </a:t>
+            </a:r>
+            <a:r>
+              <a:rPr lang="en-US" sz="2000" dirty="0" err="1" smtClean="0"/>
+              <a:t>Arduino</a:t>
+            </a:r>
+            <a:r>
+              <a:rPr lang="en-US" sz="2000" dirty="0" smtClean="0"/>
+              <a:t> in case of </a:t>
+            </a:r>
+            <a:r>
+              <a:rPr lang="en-US" sz="2000" dirty="0" err="1" smtClean="0"/>
+              <a:t>config</a:t>
+            </a:r>
+            <a:r>
+              <a:rPr lang="en-US" sz="2000" dirty="0" smtClean="0"/>
+              <a:t> errors</a:t>
+            </a:r>
+            <a:endParaRPr lang="nl-NL" sz="2000" dirty="0"/>
+          </a:p>
+        </p:txBody>
+      </p:sp>
+      <p:sp>
+        <p:nvSpPr>
+          <p:cNvPr id="4" name="Rechthoek 3"/>
+          <p:cNvSpPr/>
+          <p:nvPr/>
+        </p:nvSpPr>
+        <p:spPr>
+          <a:xfrm>
+            <a:off x="1403648" y="2931790"/>
+            <a:ext cx="1346448" cy="1800200"/>
+          </a:xfrm>
+          <a:prstGeom prst="rect">
+            <a:avLst/>
+          </a:prstGeom>
+          <a:solidFill>
+            <a:srgbClr val="00CC66"/>
+          </a:solidFill>
+        </p:spPr>
+        <p:style>
+          <a:lnRef idx="2">
+            <a:schemeClr val="accent1">
+              <a:shade val="50000"/>
+            </a:schemeClr>
+          </a:lnRef>
+          <a:fillRef idx="1">
+            <a:schemeClr val="accent1"/>
+          </a:fillRef>
+          <a:effectRef idx="0">
+            <a:schemeClr val="accent1"/>
+          </a:effectRef>
+          <a:fontRef idx="minor">
+            <a:schemeClr val="lt1"/>
+          </a:fontRef>
+        </p:style>
+        <p:txBody>
+          <a:bodyPr rtlCol="0" anchor="ctr"/>
+          <a:lstStyle/>
+          <a:p>
+            <a:pPr algn="ctr"/>
+            <a:r>
+              <a:rPr lang="en-US" dirty="0" err="1" smtClean="0"/>
+              <a:t>Arduino</a:t>
+            </a:r>
+            <a:endParaRPr lang="nl-NL" dirty="0"/>
+          </a:p>
+        </p:txBody>
+      </p:sp>
+      <p:sp>
+        <p:nvSpPr>
+          <p:cNvPr id="5" name="Rechthoek 4"/>
+          <p:cNvSpPr/>
+          <p:nvPr/>
+        </p:nvSpPr>
+        <p:spPr>
+          <a:xfrm rot="5400000">
+            <a:off x="3491880" y="4443958"/>
+            <a:ext cx="432048" cy="144016"/>
+          </a:xfrm>
+          <a:prstGeom prst="rect">
+            <a:avLst/>
+          </a:prstGeom>
+          <a:solidFill>
+            <a:srgbClr val="FF0000"/>
+          </a:solidFill>
+        </p:spPr>
+        <p:style>
+          <a:lnRef idx="2">
+            <a:schemeClr val="accent1">
+              <a:shade val="50000"/>
+            </a:schemeClr>
+          </a:lnRef>
+          <a:fillRef idx="1">
+            <a:schemeClr val="accent1"/>
+          </a:fillRef>
+          <a:effectRef idx="0">
+            <a:schemeClr val="accent1"/>
+          </a:effectRef>
+          <a:fontRef idx="minor">
+            <a:schemeClr val="lt1"/>
+          </a:fontRef>
+        </p:style>
+        <p:txBody>
+          <a:bodyPr rtlCol="0" anchor="ctr"/>
+          <a:lstStyle/>
+          <a:p>
+            <a:pPr algn="ctr"/>
             <a:endParaRPr lang="nl-NL"/>
+          </a:p>
+        </p:txBody>
+      </p:sp>
+      <p:sp>
+        <p:nvSpPr>
+          <p:cNvPr id="6" name="Rechthoek 5"/>
+          <p:cNvSpPr/>
+          <p:nvPr/>
+        </p:nvSpPr>
+        <p:spPr>
+          <a:xfrm rot="5400000">
+            <a:off x="2339752" y="3219822"/>
+            <a:ext cx="432048" cy="144016"/>
+          </a:xfrm>
+          <a:prstGeom prst="rect">
+            <a:avLst/>
+          </a:prstGeom>
+          <a:solidFill>
+            <a:srgbClr val="FF0000"/>
+          </a:solidFill>
+        </p:spPr>
+        <p:style>
+          <a:lnRef idx="2">
+            <a:schemeClr val="accent1">
+              <a:shade val="50000"/>
+            </a:schemeClr>
+          </a:lnRef>
+          <a:fillRef idx="1">
+            <a:schemeClr val="accent1"/>
+          </a:fillRef>
+          <a:effectRef idx="0">
+            <a:schemeClr val="accent1"/>
+          </a:effectRef>
+          <a:fontRef idx="minor">
+            <a:schemeClr val="lt1"/>
+          </a:fontRef>
+        </p:style>
+        <p:txBody>
+          <a:bodyPr rtlCol="0" anchor="ctr"/>
+          <a:lstStyle/>
+          <a:p>
+            <a:pPr algn="ctr"/>
+            <a:endParaRPr lang="nl-NL"/>
+          </a:p>
+        </p:txBody>
+      </p:sp>
+      <p:cxnSp>
+        <p:nvCxnSpPr>
+          <p:cNvPr id="8" name="Rechte verbindingslijn 7"/>
+          <p:cNvCxnSpPr/>
+          <p:nvPr/>
+        </p:nvCxnSpPr>
+        <p:spPr>
+          <a:xfrm>
+            <a:off x="2267744" y="4948014"/>
+            <a:ext cx="3096344" cy="0"/>
+          </a:xfrm>
+          <a:prstGeom prst="line">
+            <a:avLst/>
+          </a:prstGeom>
+          <a:ln w="38100"/>
+        </p:spPr>
+        <p:style>
+          <a:lnRef idx="1">
+            <a:schemeClr val="accent1"/>
+          </a:lnRef>
+          <a:fillRef idx="0">
+            <a:schemeClr val="accent1"/>
+          </a:fillRef>
+          <a:effectRef idx="0">
+            <a:schemeClr val="accent1"/>
+          </a:effectRef>
+          <a:fontRef idx="minor">
+            <a:schemeClr val="tx1"/>
+          </a:fontRef>
+        </p:style>
+      </p:cxnSp>
+      <p:cxnSp>
+        <p:nvCxnSpPr>
+          <p:cNvPr id="9" name="Rechte verbindingslijn 8"/>
+          <p:cNvCxnSpPr/>
+          <p:nvPr/>
+        </p:nvCxnSpPr>
+        <p:spPr>
+          <a:xfrm>
+            <a:off x="2195736" y="2715766"/>
+            <a:ext cx="3096344" cy="0"/>
+          </a:xfrm>
+          <a:prstGeom prst="line">
+            <a:avLst/>
+          </a:prstGeom>
+          <a:ln w="38100"/>
+        </p:spPr>
+        <p:style>
+          <a:lnRef idx="1">
+            <a:schemeClr val="accent1"/>
+          </a:lnRef>
+          <a:fillRef idx="0">
+            <a:schemeClr val="accent1"/>
+          </a:fillRef>
+          <a:effectRef idx="0">
+            <a:schemeClr val="accent1"/>
+          </a:effectRef>
+          <a:fontRef idx="minor">
+            <a:schemeClr val="tx1"/>
+          </a:fontRef>
+        </p:style>
+      </p:cxnSp>
+      <p:sp>
+        <p:nvSpPr>
+          <p:cNvPr id="10" name="Tekstvak 9"/>
+          <p:cNvSpPr txBox="1"/>
+          <p:nvPr/>
+        </p:nvSpPr>
+        <p:spPr>
+          <a:xfrm>
+            <a:off x="5436096" y="2571750"/>
+            <a:ext cx="843436" cy="369332"/>
+          </a:xfrm>
+          <a:prstGeom prst="rect">
+            <a:avLst/>
+          </a:prstGeom>
+          <a:noFill/>
+        </p:spPr>
+        <p:txBody>
+          <a:bodyPr wrap="none" rtlCol="0">
+            <a:spAutoFit/>
+          </a:bodyPr>
+          <a:lstStyle/>
+          <a:p>
+            <a:r>
+              <a:rPr lang="en-US" dirty="0" smtClean="0"/>
+              <a:t>+5 Volt</a:t>
+            </a:r>
+            <a:endParaRPr lang="nl-NL" dirty="0"/>
+          </a:p>
+        </p:txBody>
+      </p:sp>
+      <p:sp>
+        <p:nvSpPr>
+          <p:cNvPr id="11" name="Tekstvak 10"/>
+          <p:cNvSpPr txBox="1"/>
+          <p:nvPr/>
+        </p:nvSpPr>
+        <p:spPr>
+          <a:xfrm>
+            <a:off x="5436096" y="4774168"/>
+            <a:ext cx="728020" cy="369332"/>
+          </a:xfrm>
+          <a:prstGeom prst="rect">
+            <a:avLst/>
+          </a:prstGeom>
+          <a:noFill/>
+        </p:spPr>
+        <p:txBody>
+          <a:bodyPr wrap="none" rtlCol="0">
+            <a:spAutoFit/>
+          </a:bodyPr>
+          <a:lstStyle/>
+          <a:p>
+            <a:r>
+              <a:rPr lang="en-US" dirty="0" smtClean="0"/>
+              <a:t>0 Volt</a:t>
+            </a:r>
+            <a:endParaRPr lang="nl-NL" dirty="0"/>
+          </a:p>
+        </p:txBody>
+      </p:sp>
+      <p:cxnSp>
+        <p:nvCxnSpPr>
+          <p:cNvPr id="13" name="Rechte verbindingslijn 12"/>
+          <p:cNvCxnSpPr/>
+          <p:nvPr/>
+        </p:nvCxnSpPr>
+        <p:spPr>
+          <a:xfrm>
+            <a:off x="2555776" y="2715766"/>
+            <a:ext cx="0" cy="360040"/>
+          </a:xfrm>
+          <a:prstGeom prst="line">
+            <a:avLst/>
+          </a:prstGeom>
+        </p:spPr>
+        <p:style>
+          <a:lnRef idx="1">
+            <a:schemeClr val="accent1"/>
+          </a:lnRef>
+          <a:fillRef idx="0">
+            <a:schemeClr val="accent1"/>
+          </a:fillRef>
+          <a:effectRef idx="0">
+            <a:schemeClr val="accent1"/>
+          </a:effectRef>
+          <a:fontRef idx="minor">
+            <a:schemeClr val="tx1"/>
+          </a:fontRef>
+        </p:style>
+      </p:cxnSp>
+      <p:cxnSp>
+        <p:nvCxnSpPr>
+          <p:cNvPr id="15" name="Vorm 14"/>
+          <p:cNvCxnSpPr>
+            <a:stCxn id="6" idx="3"/>
+          </p:cNvCxnSpPr>
+          <p:nvPr/>
+        </p:nvCxnSpPr>
+        <p:spPr>
+          <a:xfrm rot="16200000" flipH="1">
+            <a:off x="3059832" y="3003798"/>
+            <a:ext cx="144016" cy="1152128"/>
+          </a:xfrm>
+          <a:prstGeom prst="bentConnector2">
+            <a:avLst/>
+          </a:prstGeom>
+        </p:spPr>
+        <p:style>
+          <a:lnRef idx="1">
+            <a:schemeClr val="accent1"/>
+          </a:lnRef>
+          <a:fillRef idx="0">
+            <a:schemeClr val="accent1"/>
+          </a:fillRef>
+          <a:effectRef idx="0">
+            <a:schemeClr val="accent1"/>
+          </a:effectRef>
+          <a:fontRef idx="minor">
+            <a:schemeClr val="tx1"/>
+          </a:fontRef>
+        </p:style>
+      </p:cxnSp>
+      <p:cxnSp>
+        <p:nvCxnSpPr>
+          <p:cNvPr id="18" name="Rechte verbindingslijn 17"/>
+          <p:cNvCxnSpPr>
+            <a:stCxn id="5" idx="1"/>
+          </p:cNvCxnSpPr>
+          <p:nvPr/>
+        </p:nvCxnSpPr>
+        <p:spPr>
+          <a:xfrm flipV="1">
+            <a:off x="3707904" y="4083918"/>
+            <a:ext cx="0" cy="216024"/>
+          </a:xfrm>
+          <a:prstGeom prst="line">
+            <a:avLst/>
+          </a:prstGeom>
+        </p:spPr>
+        <p:style>
+          <a:lnRef idx="1">
+            <a:schemeClr val="accent1"/>
+          </a:lnRef>
+          <a:fillRef idx="0">
+            <a:schemeClr val="accent1"/>
+          </a:fillRef>
+          <a:effectRef idx="0">
+            <a:schemeClr val="accent1"/>
+          </a:effectRef>
+          <a:fontRef idx="minor">
+            <a:schemeClr val="tx1"/>
+          </a:fontRef>
+        </p:style>
+      </p:cxnSp>
+      <p:cxnSp>
+        <p:nvCxnSpPr>
+          <p:cNvPr id="22" name="Rechte verbindingslijn 21"/>
+          <p:cNvCxnSpPr/>
+          <p:nvPr/>
+        </p:nvCxnSpPr>
+        <p:spPr>
+          <a:xfrm flipV="1">
+            <a:off x="3707904" y="3795886"/>
+            <a:ext cx="144016" cy="288032"/>
+          </a:xfrm>
+          <a:prstGeom prst="line">
+            <a:avLst/>
+          </a:prstGeom>
+        </p:spPr>
+        <p:style>
+          <a:lnRef idx="1">
+            <a:schemeClr val="accent1"/>
+          </a:lnRef>
+          <a:fillRef idx="0">
+            <a:schemeClr val="accent1"/>
+          </a:fillRef>
+          <a:effectRef idx="0">
+            <a:schemeClr val="accent1"/>
+          </a:effectRef>
+          <a:fontRef idx="minor">
+            <a:schemeClr val="tx1"/>
+          </a:fontRef>
+        </p:style>
+      </p:cxnSp>
+      <p:cxnSp>
+        <p:nvCxnSpPr>
+          <p:cNvPr id="24" name="Rechte verbindingslijn 23"/>
+          <p:cNvCxnSpPr>
+            <a:stCxn id="5" idx="3"/>
+          </p:cNvCxnSpPr>
+          <p:nvPr/>
+        </p:nvCxnSpPr>
+        <p:spPr>
+          <a:xfrm>
+            <a:off x="3707904" y="4731990"/>
+            <a:ext cx="0" cy="216024"/>
+          </a:xfrm>
+          <a:prstGeom prst="line">
+            <a:avLst/>
+          </a:prstGeom>
+        </p:spPr>
+        <p:style>
+          <a:lnRef idx="1">
+            <a:schemeClr val="accent1"/>
+          </a:lnRef>
+          <a:fillRef idx="0">
+            <a:schemeClr val="accent1"/>
+          </a:fillRef>
+          <a:effectRef idx="0">
+            <a:schemeClr val="accent1"/>
+          </a:effectRef>
+          <a:fontRef idx="minor">
+            <a:schemeClr val="tx1"/>
+          </a:fontRef>
+        </p:style>
+      </p:cxnSp>
+      <p:cxnSp>
+        <p:nvCxnSpPr>
+          <p:cNvPr id="27" name="Rechte verbindingslijn 26"/>
+          <p:cNvCxnSpPr/>
+          <p:nvPr/>
+        </p:nvCxnSpPr>
+        <p:spPr>
+          <a:xfrm>
+            <a:off x="3707904" y="3651870"/>
+            <a:ext cx="0" cy="144016"/>
+          </a:xfrm>
+          <a:prstGeom prst="line">
+            <a:avLst/>
+          </a:prstGeom>
+        </p:spPr>
+        <p:style>
+          <a:lnRef idx="1">
+            <a:schemeClr val="accent1"/>
+          </a:lnRef>
+          <a:fillRef idx="0">
+            <a:schemeClr val="accent1"/>
+          </a:fillRef>
+          <a:effectRef idx="0">
+            <a:schemeClr val="accent1"/>
+          </a:effectRef>
+          <a:fontRef idx="minor">
+            <a:schemeClr val="tx1"/>
+          </a:fontRef>
+        </p:style>
+      </p:cxnSp>
+      <p:sp>
+        <p:nvSpPr>
+          <p:cNvPr id="28" name="Tekstvak 27"/>
+          <p:cNvSpPr txBox="1"/>
+          <p:nvPr/>
+        </p:nvSpPr>
+        <p:spPr>
+          <a:xfrm>
+            <a:off x="2843808" y="3147814"/>
+            <a:ext cx="1440160" cy="369332"/>
+          </a:xfrm>
+          <a:prstGeom prst="rect">
+            <a:avLst/>
+          </a:prstGeom>
+          <a:noFill/>
+        </p:spPr>
+        <p:txBody>
+          <a:bodyPr wrap="square" rtlCol="0">
+            <a:spAutoFit/>
+          </a:bodyPr>
+          <a:lstStyle/>
+          <a:p>
+            <a:r>
+              <a:rPr lang="en-US" dirty="0" smtClean="0"/>
+              <a:t>30 </a:t>
+            </a:r>
+            <a:r>
+              <a:rPr lang="en-US" dirty="0" err="1" smtClean="0"/>
+              <a:t>kOhm</a:t>
+            </a:r>
+            <a:endParaRPr lang="nl-NL" dirty="0"/>
+          </a:p>
+        </p:txBody>
+      </p:sp>
+      <p:sp>
+        <p:nvSpPr>
+          <p:cNvPr id="29" name="Tekstvak 28"/>
+          <p:cNvSpPr txBox="1"/>
+          <p:nvPr/>
+        </p:nvSpPr>
+        <p:spPr>
+          <a:xfrm>
+            <a:off x="3851920" y="4299942"/>
+            <a:ext cx="1440160" cy="369332"/>
+          </a:xfrm>
+          <a:prstGeom prst="rect">
+            <a:avLst/>
+          </a:prstGeom>
+          <a:noFill/>
+        </p:spPr>
+        <p:txBody>
+          <a:bodyPr wrap="square" rtlCol="0">
+            <a:spAutoFit/>
+          </a:bodyPr>
+          <a:lstStyle/>
+          <a:p>
+            <a:r>
+              <a:rPr lang="en-US" dirty="0" smtClean="0"/>
+              <a:t>1 </a:t>
+            </a:r>
+            <a:r>
+              <a:rPr lang="en-US" dirty="0" err="1" smtClean="0"/>
+              <a:t>kOhm</a:t>
+            </a:r>
+            <a:endParaRPr lang="nl-NL" dirty="0"/>
+          </a:p>
+        </p:txBody>
+      </p:sp>
+      <p:cxnSp>
+        <p:nvCxnSpPr>
+          <p:cNvPr id="31" name="Rechte verbindingslijn 30"/>
+          <p:cNvCxnSpPr/>
+          <p:nvPr/>
+        </p:nvCxnSpPr>
+        <p:spPr>
+          <a:xfrm flipH="1">
+            <a:off x="1835696" y="3651870"/>
+            <a:ext cx="720080" cy="0"/>
+          </a:xfrm>
+          <a:prstGeom prst="line">
+            <a:avLst/>
+          </a:prstGeom>
+        </p:spPr>
+        <p:style>
+          <a:lnRef idx="1">
+            <a:schemeClr val="accent1"/>
+          </a:lnRef>
+          <a:fillRef idx="0">
+            <a:schemeClr val="accent1"/>
+          </a:fillRef>
+          <a:effectRef idx="0">
+            <a:schemeClr val="accent1"/>
+          </a:effectRef>
+          <a:fontRef idx="minor">
+            <a:schemeClr val="tx1"/>
+          </a:fontRef>
+        </p:style>
+      </p:cxnSp>
+      <p:sp>
+        <p:nvSpPr>
+          <p:cNvPr id="32" name="Tekstvak 31"/>
+          <p:cNvSpPr txBox="1"/>
+          <p:nvPr/>
+        </p:nvSpPr>
+        <p:spPr>
+          <a:xfrm>
+            <a:off x="1575222" y="3147814"/>
+            <a:ext cx="504056" cy="369332"/>
+          </a:xfrm>
+          <a:prstGeom prst="rect">
+            <a:avLst/>
+          </a:prstGeom>
+          <a:solidFill>
+            <a:srgbClr val="FFFF00"/>
+          </a:solidFill>
+          <a:ln w="19050">
+            <a:solidFill>
+              <a:schemeClr val="tx1"/>
+            </a:solidFill>
+          </a:ln>
+        </p:spPr>
+        <p:txBody>
+          <a:bodyPr wrap="square" rtlCol="0">
+            <a:spAutoFit/>
+          </a:bodyPr>
+          <a:lstStyle/>
+          <a:p>
+            <a:r>
+              <a:rPr lang="en-US" sz="900" dirty="0" smtClean="0"/>
+              <a:t>Digital input</a:t>
+            </a:r>
+            <a:endParaRPr lang="nl-NL" sz="900" dirty="0"/>
+          </a:p>
+        </p:txBody>
+      </p:sp>
+      <p:cxnSp>
+        <p:nvCxnSpPr>
+          <p:cNvPr id="34" name="Rechte verbindingslijn 33"/>
+          <p:cNvCxnSpPr>
+            <a:stCxn id="32" idx="2"/>
+          </p:cNvCxnSpPr>
+          <p:nvPr/>
+        </p:nvCxnSpPr>
+        <p:spPr>
+          <a:xfrm>
+            <a:off x="1827250" y="3517146"/>
+            <a:ext cx="8446" cy="134724"/>
+          </a:xfrm>
+          <a:prstGeom prst="line">
+            <a:avLst/>
+          </a:prstGeom>
+        </p:spPr>
+        <p:style>
+          <a:lnRef idx="1">
+            <a:schemeClr val="accent1"/>
+          </a:lnRef>
+          <a:fillRef idx="0">
+            <a:schemeClr val="accent1"/>
+          </a:fillRef>
+          <a:effectRef idx="0">
+            <a:schemeClr val="accent1"/>
+          </a:effectRef>
+          <a:fontRef idx="minor">
+            <a:schemeClr val="tx1"/>
+          </a:fontRef>
+        </p:style>
+      </p:cxnSp>
+      <p:sp>
+        <p:nvSpPr>
+          <p:cNvPr id="38" name="Tekstvak 37"/>
+          <p:cNvSpPr txBox="1"/>
+          <p:nvPr/>
+        </p:nvSpPr>
+        <p:spPr>
+          <a:xfrm>
+            <a:off x="6444208" y="2499742"/>
+            <a:ext cx="2232248" cy="1938992"/>
+          </a:xfrm>
+          <a:prstGeom prst="rect">
+            <a:avLst/>
+          </a:prstGeom>
+          <a:noFill/>
+        </p:spPr>
+        <p:txBody>
+          <a:bodyPr wrap="square" rtlCol="0">
+            <a:spAutoFit/>
+          </a:bodyPr>
+          <a:lstStyle/>
+          <a:p>
+            <a:r>
+              <a:rPr lang="en-US" sz="1200" dirty="0" smtClean="0"/>
+              <a:t>Consider what would happen if the 1 </a:t>
+            </a:r>
+            <a:r>
+              <a:rPr lang="en-US" sz="1200" dirty="0" err="1" smtClean="0"/>
+              <a:t>kOhm</a:t>
+            </a:r>
+            <a:r>
+              <a:rPr lang="en-US" sz="1200" dirty="0" smtClean="0"/>
+              <a:t> resistor were not there and the port would be used as output and the button closed.</a:t>
+            </a:r>
+          </a:p>
+          <a:p>
+            <a:endParaRPr lang="en-US" sz="1200" dirty="0" smtClean="0"/>
+          </a:p>
+          <a:p>
+            <a:r>
+              <a:rPr lang="en-US" sz="1200" dirty="0" smtClean="0"/>
+              <a:t>Then the </a:t>
+            </a:r>
+            <a:r>
+              <a:rPr lang="en-US" sz="1200" dirty="0" err="1" smtClean="0"/>
+              <a:t>Arduino</a:t>
+            </a:r>
+            <a:r>
+              <a:rPr lang="en-US" sz="1200" dirty="0" smtClean="0"/>
+              <a:t> would output 5 Volt, and the switch is directly leading it to the 0 Volt line </a:t>
+            </a:r>
+            <a:r>
+              <a:rPr lang="en-US" sz="1200" dirty="0" smtClean="0">
+                <a:sym typeface="Wingdings" pitchFamily="2" charset="2"/>
+              </a:rPr>
+              <a:t> short circuit!</a:t>
+            </a:r>
+            <a:endParaRPr lang="nl-NL" sz="1200" dirty="0"/>
           </a:p>
         </p:txBody>
       </p:sp>
@@ -5166,7 +7327,7 @@
           <a:p>
             <a:r>
               <a:rPr lang="en-US" dirty="0" smtClean="0"/>
-              <a:t>Pulse Width Modulation (PWM)</a:t>
+              <a:t>Check / double check</a:t>
             </a:r>
             <a:endParaRPr lang="nl-NL" dirty="0"/>
           </a:p>
@@ -5187,7 +7348,11 @@
           <a:bodyPr/>
           <a:lstStyle/>
           <a:p>
-            <a:endParaRPr lang="nl-NL"/>
+            <a:r>
+              <a:rPr lang="en-US" dirty="0" smtClean="0"/>
+              <a:t>Please now check both that the wiring is correct.</a:t>
+            </a:r>
+            <a:endParaRPr lang="nl-NL" dirty="0"/>
           </a:p>
         </p:txBody>
       </p:sp>
@@ -5228,12 +7393,18 @@
         </p:nvSpPr>
         <p:spPr/>
         <p:txBody>
-          <a:bodyPr/>
-          <a:lstStyle/>
-          <a:p>
-            <a:r>
-              <a:rPr lang="en-US" dirty="0" smtClean="0"/>
-              <a:t>Controlling a servo with PWM</a:t>
+          <a:bodyPr>
+            <a:normAutofit fontScale="90000"/>
+          </a:bodyPr>
+          <a:lstStyle/>
+          <a:p>
+            <a:r>
+              <a:rPr lang="en-US" dirty="0" smtClean="0"/>
+              <a:t>Make a script file to start </a:t>
+            </a:r>
+            <a:r>
+              <a:rPr lang="en-US" dirty="0" err="1" smtClean="0"/>
+              <a:t>scratchClient</a:t>
             </a:r>
             <a:endParaRPr lang="nl-NL" dirty="0"/>
           </a:p>
@@ -5251,10 +7422,173 @@
         </p:nvSpPr>
         <p:spPr/>
         <p:txBody>
-          <a:bodyPr/>
-          <a:lstStyle/>
-          <a:p>
-            <a:endParaRPr lang="nl-NL"/>
+          <a:bodyPr>
+            <a:normAutofit fontScale="92500" lnSpcReduction="20000"/>
+          </a:bodyPr>
+          <a:lstStyle/>
+          <a:p>
+            <a:r>
+              <a:rPr lang="en-US" dirty="0" smtClean="0"/>
+              <a:t>Copy the </a:t>
+            </a:r>
+            <a:r>
+              <a:rPr lang="en-US" dirty="0" err="1" smtClean="0"/>
+              <a:t>config</a:t>
+            </a:r>
+            <a:r>
+              <a:rPr lang="en-US" dirty="0" smtClean="0"/>
+              <a:t> file to the desktop. </a:t>
+            </a:r>
+          </a:p>
+          <a:p>
+            <a:pPr lvl="1"/>
+            <a:r>
+              <a:rPr lang="en-US" dirty="0" smtClean="0"/>
+              <a:t>We will later modify it and want to keep the original.</a:t>
+            </a:r>
+          </a:p>
+          <a:p>
+            <a:r>
+              <a:rPr lang="en-US" dirty="0" smtClean="0"/>
+              <a:t>Then make a new file on the desktop</a:t>
+            </a:r>
+          </a:p>
+          <a:p>
+            <a:pPr lvl="1"/>
+            <a:r>
+              <a:rPr lang="en-US" dirty="0" smtClean="0"/>
+              <a:t>Call it </a:t>
+            </a:r>
+            <a:r>
+              <a:rPr lang="en-US" dirty="0" err="1" smtClean="0"/>
+              <a:t>StartSC_First</a:t>
+            </a:r>
+            <a:r>
+              <a:rPr lang="en-US" dirty="0" smtClean="0"/>
+              <a:t> step</a:t>
+            </a:r>
+          </a:p>
+          <a:p>
+            <a:r>
+              <a:rPr lang="en-US" dirty="0" smtClean="0"/>
+              <a:t>Put this in:</a:t>
+            </a:r>
+          </a:p>
+          <a:p>
+            <a:pPr lvl="1">
+              <a:buNone/>
+            </a:pPr>
+            <a:r>
+              <a:rPr lang="nl-NL" dirty="0" err="1" smtClean="0">
+                <a:latin typeface="Courier New" pitchFamily="49" charset="0"/>
+                <a:cs typeface="Courier New" pitchFamily="49" charset="0"/>
+              </a:rPr>
+              <a:t>sudo</a:t>
+            </a:r>
+            <a:r>
+              <a:rPr lang="nl-NL" dirty="0" smtClean="0">
+                <a:latin typeface="Courier New" pitchFamily="49" charset="0"/>
+                <a:cs typeface="Courier New" pitchFamily="49" charset="0"/>
+              </a:rPr>
+              <a:t> python ~/</a:t>
+            </a:r>
+            <a:r>
+              <a:rPr lang="nl-NL" dirty="0" err="1" smtClean="0">
+                <a:latin typeface="Courier New" pitchFamily="49" charset="0"/>
+                <a:cs typeface="Courier New" pitchFamily="49" charset="0"/>
+              </a:rPr>
+              <a:t>scratchClient</a:t>
+            </a:r>
+            <a:r>
+              <a:rPr lang="nl-NL" dirty="0" smtClean="0">
+                <a:latin typeface="Courier New" pitchFamily="49" charset="0"/>
+                <a:cs typeface="Courier New" pitchFamily="49" charset="0"/>
+              </a:rPr>
+              <a:t>/</a:t>
+            </a:r>
+            <a:r>
+              <a:rPr lang="nl-NL" dirty="0" err="1" smtClean="0">
+                <a:latin typeface="Courier New" pitchFamily="49" charset="0"/>
+                <a:cs typeface="Courier New" pitchFamily="49" charset="0"/>
+              </a:rPr>
+              <a:t>src</a:t>
+            </a:r>
+            <a:r>
+              <a:rPr lang="nl-NL" dirty="0" smtClean="0">
+                <a:latin typeface="Courier New" pitchFamily="49" charset="0"/>
+                <a:cs typeface="Courier New" pitchFamily="49" charset="0"/>
+              </a:rPr>
+              <a:t>/</a:t>
+            </a:r>
+            <a:r>
+              <a:rPr lang="nl-NL" dirty="0" err="1" smtClean="0">
+                <a:latin typeface="Courier New" pitchFamily="49" charset="0"/>
+                <a:cs typeface="Courier New" pitchFamily="49" charset="0"/>
+              </a:rPr>
+              <a:t>scratchClient.py</a:t>
+            </a:r>
+            <a:r>
+              <a:rPr lang="nl-NL" dirty="0" smtClean="0">
+                <a:latin typeface="Courier New" pitchFamily="49" charset="0"/>
+                <a:cs typeface="Courier New" pitchFamily="49" charset="0"/>
+              </a:rPr>
+              <a:t> -c ~/</a:t>
+            </a:r>
+            <a:r>
+              <a:rPr lang="nl-NL" dirty="0" smtClean="0">
+                <a:latin typeface="Courier New" pitchFamily="49" charset="0"/>
+                <a:cs typeface="Courier New" pitchFamily="49" charset="0"/>
+              </a:rPr>
+              <a:t>Desktop/</a:t>
+            </a:r>
+            <a:r>
+              <a:rPr lang="nl-NL" dirty="0" err="1" smtClean="0">
+                <a:latin typeface="Courier New" pitchFamily="49" charset="0"/>
+                <a:cs typeface="Courier New" pitchFamily="49" charset="0"/>
+              </a:rPr>
+              <a:t>config</a:t>
+            </a:r>
+            <a:r>
+              <a:rPr lang="nl-NL" dirty="0" smtClean="0">
+                <a:latin typeface="Courier New" pitchFamily="49" charset="0"/>
+                <a:cs typeface="Courier New" pitchFamily="49" charset="0"/>
+              </a:rPr>
+              <a:t>_</a:t>
+            </a:r>
+            <a:r>
+              <a:rPr lang="nl-NL" dirty="0" err="1" smtClean="0">
+                <a:latin typeface="Courier New" pitchFamily="49" charset="0"/>
+                <a:cs typeface="Courier New" pitchFamily="49" charset="0"/>
+              </a:rPr>
+              <a:t>PiAndMore</a:t>
+            </a:r>
+            <a:r>
+              <a:rPr lang="nl-NL" dirty="0" smtClean="0">
+                <a:latin typeface="Courier New" pitchFamily="49" charset="0"/>
+                <a:cs typeface="Courier New" pitchFamily="49" charset="0"/>
+              </a:rPr>
+              <a:t>_ttyUSB0.xml</a:t>
+            </a:r>
+          </a:p>
+          <a:p>
+            <a:r>
+              <a:rPr lang="en-US" dirty="0" smtClean="0"/>
+              <a:t>Make the file executable.</a:t>
+            </a:r>
+          </a:p>
+          <a:p>
+            <a:r>
+              <a:rPr lang="en-US" dirty="0" smtClean="0"/>
+              <a:t>Do you understand what the file does? </a:t>
+            </a:r>
+          </a:p>
+          <a:p>
+            <a:pPr lvl="1"/>
+            <a:r>
+              <a:rPr lang="en-US" dirty="0" smtClean="0"/>
+              <a:t>If not, please ask</a:t>
+            </a:r>
+            <a:endParaRPr lang="nl-NL" dirty="0"/>
           </a:p>
         </p:txBody>
       </p:sp>
@@ -5300,7 +7634,7 @@
           <a:p>
             <a:r>
               <a:rPr lang="en-US" dirty="0" smtClean="0"/>
-              <a:t>Dimming a LED with PWM</a:t>
+              <a:t>Bringing things together</a:t>
             </a:r>
             <a:endParaRPr lang="nl-NL" dirty="0"/>
           </a:p>
@@ -5318,13 +7652,102 @@
         </p:nvSpPr>
         <p:spPr/>
         <p:txBody>
-          <a:bodyPr/>
-          <a:lstStyle/>
-          <a:p>
-            <a:endParaRPr lang="nl-NL"/>
-          </a:p>
-        </p:txBody>
-      </p:sp>
+          <a:bodyPr>
+            <a:normAutofit fontScale="92500" lnSpcReduction="10000"/>
+          </a:bodyPr>
+          <a:lstStyle/>
+          <a:p>
+            <a:r>
+              <a:rPr lang="en-US" dirty="0" smtClean="0"/>
+              <a:t>Connect the 9 Volt connector to the board</a:t>
+            </a:r>
+          </a:p>
+          <a:p>
+            <a:r>
+              <a:rPr lang="en-US" dirty="0" smtClean="0"/>
+              <a:t>Connect the USB connector to the </a:t>
+            </a:r>
+            <a:r>
+              <a:rPr lang="en-US" dirty="0" err="1" smtClean="0"/>
+              <a:t>Arduino</a:t>
+            </a:r>
+            <a:endParaRPr lang="en-US" dirty="0" smtClean="0"/>
+          </a:p>
+          <a:p>
+            <a:r>
+              <a:rPr lang="en-US" dirty="0" smtClean="0"/>
+              <a:t>Start </a:t>
+            </a:r>
+            <a:r>
+              <a:rPr lang="en-US" dirty="0" err="1" smtClean="0"/>
+              <a:t>scratchClient</a:t>
+            </a:r>
+            <a:r>
+              <a:rPr lang="en-US" dirty="0" smtClean="0"/>
+              <a:t> with the script you just made</a:t>
+            </a:r>
+          </a:p>
+          <a:p>
+            <a:r>
+              <a:rPr lang="en-US" dirty="0" smtClean="0"/>
+              <a:t>Start the </a:t>
+            </a:r>
+            <a:r>
+              <a:rPr lang="en-US" dirty="0" err="1" smtClean="0"/>
+              <a:t>Arduino</a:t>
+            </a:r>
+            <a:r>
+              <a:rPr lang="en-US" dirty="0" smtClean="0"/>
+              <a:t> Scratch test. This is in:</a:t>
+            </a:r>
+          </a:p>
+          <a:p>
+            <a:endParaRPr lang="en-US" dirty="0" smtClean="0"/>
+          </a:p>
+          <a:p>
+            <a:endParaRPr lang="en-US" dirty="0" smtClean="0"/>
+          </a:p>
+          <a:p>
+            <a:endParaRPr lang="en-US" dirty="0" smtClean="0"/>
+          </a:p>
+          <a:p>
+            <a:endParaRPr lang="en-US" dirty="0" smtClean="0"/>
+          </a:p>
+          <a:p>
+            <a:r>
+              <a:rPr lang="en-US" dirty="0" smtClean="0"/>
+              <a:t>Press the green flag to start the Scratch program.</a:t>
+            </a:r>
+            <a:endParaRPr lang="nl-NL" dirty="0"/>
+          </a:p>
+        </p:txBody>
+      </p:sp>
+      <p:pic>
+        <p:nvPicPr>
+          <p:cNvPr id="6146" name="Picture 2" descr="Y:\2017-01-14-042132_598x226_scrot.png"/>
+          <p:cNvPicPr>
+            <a:picLocks noChangeAspect="1" noChangeArrowheads="1"/>
+          </p:cNvPicPr>
+          <p:nvPr/>
+        </p:nvPicPr>
+        <p:blipFill>
+          <a:blip r:embed="rId2" cstate="print"/>
+          <a:srcRect/>
+          <a:stretch>
+            <a:fillRect/>
+          </a:stretch>
+        </p:blipFill>
+        <p:spPr bwMode="auto">
+          <a:xfrm>
+            <a:off x="755576" y="2643758"/>
+            <a:ext cx="3463702" cy="1309024"/>
+          </a:xfrm>
+          <a:prstGeom prst="rect">
+            <a:avLst/>
+          </a:prstGeom>
+          <a:noFill/>
+        </p:spPr>
+      </p:pic>
     </p:spTree>
   </p:cSld>
   <p:clrMapOvr>
@@ -5367,7 +7790,7 @@
           <a:p>
             <a:r>
               <a:rPr lang="en-US" dirty="0" smtClean="0"/>
-              <a:t>Expanding</a:t>
+              <a:t>Does it work?</a:t>
             </a:r>
             <a:endParaRPr lang="nl-NL" dirty="0"/>
           </a:p>
@@ -5434,28 +7857,130 @@
           <a:p>
             <a:r>
               <a:rPr lang="en-US" dirty="0" smtClean="0"/>
-              <a:t>Tri-color LED with PWM</a:t>
+              <a:t>Analog </a:t>
+            </a:r>
+            <a:r>
+              <a:rPr lang="en-US" dirty="0" smtClean="0"/>
+              <a:t>input </a:t>
             </a:r>
             <a:endParaRPr lang="nl-NL" dirty="0"/>
           </a:p>
         </p:txBody>
       </p:sp>
-      <p:sp>
-        <p:nvSpPr>
-          <p:cNvPr id="3" name="Tijdelijke aanduiding voor inhoud 2"/>
-          <p:cNvSpPr>
-            <a:spLocks noGrp="1"/>
-          </p:cNvSpPr>
-          <p:nvPr>
-            <p:ph idx="1"/>
-          </p:nvPr>
-        </p:nvSpPr>
-        <p:spPr/>
-        <p:txBody>
-          <a:bodyPr/>
-          <a:lstStyle/>
-          <a:p>
-            <a:endParaRPr lang="nl-NL"/>
+      <p:pic>
+        <p:nvPicPr>
+          <p:cNvPr id="9218" name="Picture 2" descr="C:\Users\M5810video\Documents\Weekendschool\Pi And More\PiAndMore WS potmeter_bb.png"/>
+          <p:cNvPicPr>
+            <a:picLocks noChangeAspect="1" noChangeArrowheads="1"/>
+          </p:cNvPicPr>
+          <p:nvPr/>
+        </p:nvPicPr>
+        <p:blipFill>
+          <a:blip r:embed="rId2" cstate="print"/>
+          <a:srcRect/>
+          <a:stretch>
+            <a:fillRect/>
+          </a:stretch>
+        </p:blipFill>
+        <p:spPr bwMode="auto">
+          <a:xfrm>
+            <a:off x="395536" y="1131590"/>
+            <a:ext cx="5029200" cy="3810000"/>
+          </a:xfrm>
+          <a:prstGeom prst="rect">
+            <a:avLst/>
+          </a:prstGeom>
+          <a:noFill/>
+        </p:spPr>
+      </p:pic>
+      <p:pic>
+        <p:nvPicPr>
+          <p:cNvPr id="5" name="Picture 2" descr="C:\Users\M5810video\Documents\Weekendschool\Pi And More\Funduino shield.JPG"/>
+          <p:cNvPicPr>
+            <a:picLocks noChangeAspect="1" noChangeArrowheads="1"/>
+          </p:cNvPicPr>
+          <p:nvPr/>
+        </p:nvPicPr>
+        <p:blipFill>
+          <a:blip r:embed="rId3" cstate="print"/>
+          <a:srcRect/>
+          <a:stretch>
+            <a:fillRect/>
+          </a:stretch>
+        </p:blipFill>
+        <p:spPr bwMode="auto">
+          <a:xfrm rot="10800000">
+            <a:off x="5148064" y="483518"/>
+            <a:ext cx="3495367" cy="3071044"/>
+          </a:xfrm>
+          <a:prstGeom prst="rect">
+            <a:avLst/>
+          </a:prstGeom>
+          <a:noFill/>
+        </p:spPr>
+      </p:pic>
+      <p:cxnSp>
+        <p:nvCxnSpPr>
+          <p:cNvPr id="7" name="Rechte verbindingslijn 6"/>
+          <p:cNvCxnSpPr/>
+          <p:nvPr/>
+        </p:nvCxnSpPr>
+        <p:spPr>
+          <a:xfrm flipV="1">
+            <a:off x="1331640" y="962174"/>
+            <a:ext cx="5256584" cy="2448272"/>
+          </a:xfrm>
+          <a:prstGeom prst="line">
+            <a:avLst/>
+          </a:prstGeom>
+          <a:ln w="38100">
+            <a:solidFill>
+              <a:srgbClr val="00CC66"/>
+            </a:solidFill>
+          </a:ln>
+        </p:spPr>
+        <p:style>
+          <a:lnRef idx="1">
+            <a:schemeClr val="accent1"/>
+          </a:lnRef>
+          <a:fillRef idx="0">
+            <a:schemeClr val="accent1"/>
+          </a:fillRef>
+          <a:effectRef idx="0">
+            <a:schemeClr val="accent1"/>
+          </a:effectRef>
+          <a:fontRef idx="minor">
+            <a:schemeClr val="tx1"/>
+          </a:fontRef>
+        </p:style>
+      </p:cxnSp>
+      <p:sp>
+        <p:nvSpPr>
+          <p:cNvPr id="11" name="Tekstvak 10"/>
+          <p:cNvSpPr txBox="1"/>
+          <p:nvPr/>
+        </p:nvSpPr>
+        <p:spPr>
+          <a:xfrm>
+            <a:off x="2699792" y="1059582"/>
+            <a:ext cx="1944216" cy="923330"/>
+          </a:xfrm>
+          <a:prstGeom prst="rect">
+            <a:avLst/>
+          </a:prstGeom>
+          <a:noFill/>
+        </p:spPr>
+        <p:txBody>
+          <a:bodyPr wrap="square" rtlCol="0">
+            <a:spAutoFit/>
+          </a:bodyPr>
+          <a:lstStyle/>
+          <a:p>
+            <a:r>
+              <a:rPr lang="en-US" dirty="0" smtClean="0"/>
+              <a:t>Note: only the additional wires are shown.</a:t>
+            </a:r>
+            <a:endParaRPr lang="nl-NL" dirty="0"/>
           </a:p>
         </p:txBody>
       </p:sp>
@@ -5501,31 +8026,38 @@
           <a:p>
             <a:r>
               <a:rPr lang="en-US" dirty="0" smtClean="0"/>
-              <a:t>Control a passive buzzer with PWM</a:t>
+              <a:t>Pulse Width Modulation (PWM)</a:t>
             </a:r>
             <a:endParaRPr lang="nl-NL" dirty="0"/>
           </a:p>
         </p:txBody>
       </p:sp>
-      <p:sp>
-        <p:nvSpPr>
-          <p:cNvPr id="3" name="Tijdelijke aanduiding voor inhoud 2"/>
-          <p:cNvSpPr>
-            <a:spLocks noGrp="1"/>
-          </p:cNvSpPr>
-          <p:nvPr>
-            <p:ph idx="1"/>
-          </p:nvPr>
-        </p:nvSpPr>
-        <p:spPr/>
-        <p:txBody>
-          <a:bodyPr/>
-          <a:lstStyle/>
-          <a:p>
-            <a:endParaRPr lang="nl-NL" dirty="0"/>
-          </a:p>
-        </p:txBody>
-      </p:sp>
+      <p:pic>
+        <p:nvPicPr>
+          <p:cNvPr id="8195" name="Picture 3" descr="C:\Users\M5810video\Documents\Weekendschool\Github\Old\pwm.gif"/>
+          <p:cNvPicPr>
+            <a:picLocks noChangeAspect="1" noChangeArrowheads="1"/>
+          </p:cNvPicPr>
+          <p:nvPr/>
+        </p:nvPicPr>
+        <p:blipFill>
+          <a:blip r:embed="rId2" cstate="print"/>
+          <a:srcRect/>
+          <a:stretch>
+            <a:fillRect/>
+          </a:stretch>
+        </p:blipFill>
+        <p:spPr bwMode="auto">
+          <a:xfrm>
+            <a:off x="611560" y="1203598"/>
+            <a:ext cx="2959233" cy="3240360"/>
+          </a:xfrm>
+          <a:prstGeom prst="rect">
+            <a:avLst/>
+          </a:prstGeom>
+          <a:noFill/>
+        </p:spPr>
+      </p:pic>
     </p:spTree>
   </p:cSld>
   <p:clrMapOvr>
@@ -5563,12 +8095,18 @@
         </p:nvSpPr>
         <p:spPr/>
         <p:txBody>
-          <a:bodyPr/>
-          <a:lstStyle/>
-          <a:p>
-            <a:r>
-              <a:rPr lang="en-US" dirty="0" smtClean="0"/>
-              <a:t>Add a Joystick</a:t>
+          <a:bodyPr>
+            <a:normAutofit/>
+          </a:bodyPr>
+          <a:lstStyle/>
+          <a:p>
+            <a:r>
+              <a:rPr lang="en-US" dirty="0" smtClean="0"/>
+              <a:t>Controlling </a:t>
+            </a:r>
+            <a:r>
+              <a:rPr lang="en-US" dirty="0" smtClean="0"/>
+              <a:t>a servo with PWM</a:t>
             </a:r>
             <a:endParaRPr lang="nl-NL" dirty="0"/>
           </a:p>
@@ -5584,15 +8122,64 @@
             <p:ph idx="1"/>
           </p:nvPr>
         </p:nvSpPr>
-        <p:spPr/>
+        <p:spPr>
+          <a:xfrm>
+            <a:off x="5580112" y="1200151"/>
+            <a:ext cx="3106688" cy="3394472"/>
+          </a:xfrm>
+        </p:spPr>
         <p:txBody>
           <a:bodyPr/>
           <a:lstStyle/>
           <a:p>
-            <a:endParaRPr lang="nl-NL"/>
-          </a:p>
-        </p:txBody>
-      </p:sp>
+            <a:r>
+              <a:rPr lang="en-US" dirty="0" smtClean="0"/>
+              <a:t>The position of the servo is changed by sending pulses of different width.</a:t>
+            </a:r>
+          </a:p>
+          <a:p>
+            <a:r>
+              <a:rPr lang="en-US" dirty="0" smtClean="0"/>
+              <a:t>The servo looks at the </a:t>
+            </a:r>
+            <a:r>
+              <a:rPr lang="en-US" dirty="0" err="1" smtClean="0"/>
+              <a:t>pulsewidth</a:t>
+            </a:r>
+            <a:r>
+              <a:rPr lang="en-US" dirty="0" smtClean="0"/>
+              <a:t> and turns as desired.</a:t>
+            </a:r>
+            <a:endParaRPr lang="nl-NL" dirty="0"/>
+          </a:p>
+        </p:txBody>
+      </p:sp>
+      <p:pic>
+        <p:nvPicPr>
+          <p:cNvPr id="7170" name="Picture 2" descr="C:\Users\M5810video\Documents\Weekendschool\Github\Old\pwm.png"/>
+          <p:cNvPicPr>
+            <a:picLocks noChangeAspect="1" noChangeArrowheads="1"/>
+          </p:cNvPicPr>
+          <p:nvPr/>
+        </p:nvPicPr>
+        <p:blipFill>
+          <a:blip r:embed="rId2" cstate="print"/>
+          <a:srcRect/>
+          <a:stretch>
+            <a:fillRect/>
+          </a:stretch>
+        </p:blipFill>
+        <p:spPr bwMode="auto">
+          <a:xfrm>
+            <a:off x="395536" y="1203598"/>
+            <a:ext cx="4054877" cy="3351138"/>
+          </a:xfrm>
+          <a:prstGeom prst="rect">
+            <a:avLst/>
+          </a:prstGeom>
+          <a:noFill/>
+        </p:spPr>
+      </p:pic>
     </p:spTree>
   </p:cSld>
   <p:clrMapOvr>
@@ -5620,6 +8207,223 @@
       </p:grpSpPr>
       <p:sp>
         <p:nvSpPr>
+          <p:cNvPr id="2" name="Titel 1"/>
+          <p:cNvSpPr>
+            <a:spLocks noGrp="1"/>
+          </p:cNvSpPr>
+          <p:nvPr>
+            <p:ph type="title"/>
+          </p:nvPr>
+        </p:nvSpPr>
+        <p:spPr/>
+        <p:txBody>
+          <a:bodyPr/>
+          <a:lstStyle/>
+          <a:p>
+            <a:r>
+              <a:rPr lang="en-US" dirty="0" smtClean="0"/>
+              <a:t>Dimming a LED with PWM</a:t>
+            </a:r>
+            <a:endParaRPr lang="nl-NL" dirty="0"/>
+          </a:p>
+        </p:txBody>
+      </p:sp>
+      <p:sp>
+        <p:nvSpPr>
+          <p:cNvPr id="3" name="Tijdelijke aanduiding voor inhoud 2"/>
+          <p:cNvSpPr>
+            <a:spLocks noGrp="1"/>
+          </p:cNvSpPr>
+          <p:nvPr>
+            <p:ph idx="1"/>
+          </p:nvPr>
+        </p:nvSpPr>
+        <p:spPr/>
+        <p:txBody>
+          <a:bodyPr/>
+          <a:lstStyle/>
+          <a:p>
+            <a:r>
+              <a:rPr lang="en-US" dirty="0" smtClean="0"/>
+              <a:t>Put the green LED in the right place.</a:t>
+            </a:r>
+            <a:endParaRPr lang="nl-NL" dirty="0"/>
+          </a:p>
+        </p:txBody>
+      </p:sp>
+    </p:spTree>
+  </p:cSld>
+  <p:clrMapOvr>
+    <a:masterClrMapping/>
+  </p:clrMapOvr>
+</p:sld>
+</file>
+
+<file path=ppt/slides/slide28.xml><?xml version="1.0" encoding="utf-8"?>
+<p:sld xmlns:a="http://schemas.openxmlformats.org/drawingml/2006/main" xmlns:r="http://schemas.openxmlformats.org/officeDocument/2006/relationships" xmlns:p="http://schemas.openxmlformats.org/presentationml/2006/main">
+  <p:cSld>
+    <p:spTree>
+      <p:nvGrpSpPr>
+        <p:cNvPr id="1" name=""/>
+        <p:cNvGrpSpPr/>
+        <p:nvPr/>
+      </p:nvGrpSpPr>
+      <p:grpSpPr>
+        <a:xfrm>
+          <a:off x="0" y="0"/>
+          <a:ext cx="0" cy="0"/>
+          <a:chOff x="0" y="0"/>
+          <a:chExt cx="0" cy="0"/>
+        </a:xfrm>
+      </p:grpSpPr>
+      <p:sp>
+        <p:nvSpPr>
+          <p:cNvPr id="2" name="Titel 1"/>
+          <p:cNvSpPr>
+            <a:spLocks noGrp="1"/>
+          </p:cNvSpPr>
+          <p:nvPr>
+            <p:ph type="title"/>
+          </p:nvPr>
+        </p:nvSpPr>
+        <p:spPr/>
+        <p:txBody>
+          <a:bodyPr/>
+          <a:lstStyle/>
+          <a:p>
+            <a:r>
+              <a:rPr lang="en-US" dirty="0" smtClean="0"/>
+              <a:t>Add a Joystick</a:t>
+            </a:r>
+            <a:endParaRPr lang="nl-NL" dirty="0"/>
+          </a:p>
+        </p:txBody>
+      </p:sp>
+      <p:sp>
+        <p:nvSpPr>
+          <p:cNvPr id="3" name="Tijdelijke aanduiding voor inhoud 2"/>
+          <p:cNvSpPr>
+            <a:spLocks noGrp="1"/>
+          </p:cNvSpPr>
+          <p:nvPr>
+            <p:ph idx="1"/>
+          </p:nvPr>
+        </p:nvSpPr>
+        <p:spPr/>
+        <p:txBody>
+          <a:bodyPr>
+            <a:normAutofit fontScale="92500"/>
+          </a:bodyPr>
+          <a:lstStyle/>
+          <a:p>
+            <a:r>
+              <a:rPr lang="en-US" dirty="0" smtClean="0"/>
+              <a:t>The joy stick consists of</a:t>
+            </a:r>
+          </a:p>
+          <a:p>
+            <a:pPr lvl="1"/>
+            <a:r>
+              <a:rPr lang="en-US" dirty="0" smtClean="0"/>
+              <a:t>Potentiometer for X</a:t>
+            </a:r>
+          </a:p>
+          <a:p>
+            <a:pPr lvl="1"/>
+            <a:r>
+              <a:rPr lang="en-US" dirty="0" smtClean="0"/>
+              <a:t>Potentiometer for Y</a:t>
+            </a:r>
+          </a:p>
+          <a:p>
+            <a:pPr lvl="1"/>
+            <a:r>
+              <a:rPr lang="en-US" dirty="0" smtClean="0"/>
+              <a:t>Button</a:t>
+            </a:r>
+          </a:p>
+          <a:p>
+            <a:r>
+              <a:rPr lang="en-US" dirty="0" smtClean="0"/>
+              <a:t>Wire these 3 signals via a 1 </a:t>
+            </a:r>
+            <a:r>
+              <a:rPr lang="en-US" dirty="0" err="1" smtClean="0"/>
+              <a:t>kOhm</a:t>
+            </a:r>
+            <a:r>
+              <a:rPr lang="en-US" dirty="0" smtClean="0"/>
+              <a:t> resistor on the breadboard to pins A1 and A2 for X and Y and the button to one of the digital </a:t>
+            </a:r>
+            <a:r>
+              <a:rPr lang="en-US" dirty="0" err="1" smtClean="0"/>
+              <a:t>porst</a:t>
+            </a:r>
+            <a:endParaRPr lang="en-US" dirty="0" smtClean="0"/>
+          </a:p>
+          <a:p>
+            <a:r>
+              <a:rPr lang="en-US" dirty="0" smtClean="0"/>
+              <a:t>Adapt the </a:t>
+            </a:r>
+            <a:r>
+              <a:rPr lang="en-US" dirty="0" err="1" smtClean="0"/>
+              <a:t>scratchClient</a:t>
+            </a:r>
+            <a:r>
+              <a:rPr lang="en-US" dirty="0" smtClean="0"/>
+              <a:t> </a:t>
+            </a:r>
+            <a:r>
+              <a:rPr lang="en-US" dirty="0" err="1" smtClean="0"/>
+              <a:t>config</a:t>
+            </a:r>
+            <a:endParaRPr lang="en-US" dirty="0" smtClean="0"/>
+          </a:p>
+          <a:p>
+            <a:r>
+              <a:rPr lang="en-US" dirty="0" smtClean="0"/>
+              <a:t>Once it runs, you can see values for the </a:t>
+            </a:r>
+            <a:r>
+              <a:rPr lang="en-US" dirty="0" err="1" smtClean="0"/>
+              <a:t>potmeter</a:t>
+            </a:r>
+            <a:r>
+              <a:rPr lang="en-US" dirty="0" smtClean="0"/>
+              <a:t> as sensors in Scratch.</a:t>
+            </a:r>
+            <a:endParaRPr lang="nl-NL" dirty="0"/>
+          </a:p>
+        </p:txBody>
+      </p:sp>
+    </p:spTree>
+  </p:cSld>
+  <p:clrMapOvr>
+    <a:masterClrMapping/>
+  </p:clrMapOvr>
+</p:sld>
+</file>
+
+<file path=ppt/slides/slide29.xml><?xml version="1.0" encoding="utf-8"?>
+<p:sld xmlns:a="http://schemas.openxmlformats.org/drawingml/2006/main" xmlns:r="http://schemas.openxmlformats.org/officeDocument/2006/relationships" xmlns:p="http://schemas.openxmlformats.org/presentationml/2006/main">
+  <p:cSld>
+    <p:spTree>
+      <p:nvGrpSpPr>
+        <p:cNvPr id="1" name=""/>
+        <p:cNvGrpSpPr/>
+        <p:nvPr/>
+      </p:nvGrpSpPr>
+      <p:grpSpPr>
+        <a:xfrm>
+          <a:off x="0" y="0"/>
+          <a:ext cx="0" cy="0"/>
+          <a:chOff x="0" y="0"/>
+          <a:chExt cx="0" cy="0"/>
+        </a:xfrm>
+      </p:grpSpPr>
+      <p:sp>
+        <p:nvSpPr>
           <p:cNvPr id="5" name="Rechthoek 4"/>
           <p:cNvSpPr/>
           <p:nvPr/>
@@ -5839,7 +8643,7 @@
             <a:fld id="{6802DAD7-DC19-4A9E-93C3-E71314786426}" type="slidenum">
               <a:rPr lang="nl-NL" smtClean="0"/>
               <a:pPr/>
-              <a:t>27</a:t>
+              <a:t>29</a:t>
             </a:fld>
             <a:endParaRPr lang="nl-NL"/>
           </a:p>
@@ -5928,17 +8732,8 @@
           <a:p>
             <a:r>
               <a:rPr lang="en-US" sz="2000" dirty="0" smtClean="0"/>
-              <a:t>Welcome </a:t>
-            </a:r>
-            <a:r>
-              <a:rPr lang="en-US" sz="2000" dirty="0" smtClean="0"/>
-              <a:t>and introduction </a:t>
-            </a:r>
-            <a:r>
-              <a:rPr lang="en-US" sz="2000" dirty="0" smtClean="0"/>
-              <a:t>presentation (10 min).</a:t>
-            </a:r>
-            <a:endParaRPr lang="en-US" sz="2000" dirty="0" smtClean="0"/>
+              <a:t>Welcome and introduction presentation (10 min).</a:t>
+            </a:r>
           </a:p>
           <a:p>
             <a:r>
@@ -5949,15 +8744,7 @@
           <a:p>
             <a:r>
               <a:rPr lang="en-US" sz="2000" dirty="0" smtClean="0"/>
-              <a:t>At times </a:t>
-            </a:r>
-            <a:r>
-              <a:rPr lang="en-US" sz="2000" dirty="0" smtClean="0"/>
-              <a:t>we </a:t>
-            </a:r>
-            <a:r>
-              <a:rPr lang="en-US" sz="2000" dirty="0" smtClean="0"/>
-              <a:t>will present for 5 minutes to explain a next concept.</a:t>
+              <a:t>At times we will present for 5 minutes to explain a next concept.</a:t>
             </a:r>
           </a:p>
           <a:p>
@@ -5969,15 +8756,7 @@
           <a:p>
             <a:r>
               <a:rPr lang="en-US" sz="2000" dirty="0" smtClean="0"/>
-              <a:t>At </a:t>
-            </a:r>
-            <a:r>
-              <a:rPr lang="en-US" sz="2000" dirty="0" smtClean="0"/>
-              <a:t>the </a:t>
-            </a:r>
-            <a:r>
-              <a:rPr lang="en-US" sz="2000" dirty="0" smtClean="0"/>
-              <a:t>end copy to your USB stick (if you want) and cleanup.</a:t>
+              <a:t>At the end copy to your USB stick (if you want) and cleanup.</a:t>
             </a:r>
             <a:endParaRPr lang="nl-NL" sz="2000" dirty="0"/>
           </a:p>
@@ -6159,12 +8938,19 @@
             </a:r>
             <a:r>
               <a:rPr lang="en-US" sz="2000" dirty="0" smtClean="0"/>
-              <a:t> </a:t>
+              <a:t> and program a bit </a:t>
             </a:r>
             <a:r>
               <a:rPr lang="en-US" sz="2000" dirty="0" smtClean="0"/>
-              <a:t>and program a bit yourself.</a:t>
-            </a:r>
+              <a:t>yourself (but it is still in Dutch </a:t>
+            </a:r>
+            <a:r>
+              <a:rPr lang="en-US" sz="2000" dirty="0" smtClean="0">
+                <a:sym typeface="Wingdings" pitchFamily="2" charset="2"/>
+              </a:rPr>
+              <a:t> )</a:t>
+            </a:r>
+            <a:endParaRPr lang="en-US" sz="2000" dirty="0" smtClean="0"/>
           </a:p>
           <a:p>
             <a:pPr marL="450850" lvl="2" indent="12700">
@@ -6268,7 +9054,7 @@
         </p:spPr>
         <p:txBody>
           <a:bodyPr>
-            <a:normAutofit fontScale="70000" lnSpcReduction="20000"/>
+            <a:normAutofit fontScale="77500" lnSpcReduction="20000"/>
           </a:bodyPr>
           <a:lstStyle/>
           <a:p>
@@ -6305,19 +9091,7 @@
               <a:rPr lang="en-US" dirty="0" smtClean="0">
                 <a:sym typeface="Wingdings" pitchFamily="2" charset="2"/>
               </a:rPr>
-              <a:t>Digital output (e.g. </a:t>
-            </a:r>
-            <a:r>
-              <a:rPr lang="en-US" dirty="0" smtClean="0">
-                <a:sym typeface="Wingdings" pitchFamily="2" charset="2"/>
-              </a:rPr>
-              <a:t>lighting </a:t>
-            </a:r>
-            <a:r>
-              <a:rPr lang="en-US" dirty="0" smtClean="0">
-                <a:sym typeface="Wingdings" pitchFamily="2" charset="2"/>
-              </a:rPr>
-              <a:t>a LED)</a:t>
+              <a:t>Digital output (e.g. lighting a LED)</a:t>
             </a:r>
           </a:p>
           <a:p>
@@ -6356,36 +9130,21 @@
             </a:r>
           </a:p>
           <a:p>
-            <a:pPr lvl="3"/>
-            <a:r>
-              <a:rPr lang="en-US" dirty="0" smtClean="0"/>
-              <a:t>For controlling a buzzer</a:t>
-            </a:r>
-          </a:p>
-          <a:p>
             <a:pPr lvl="1"/>
             <a:r>
               <a:rPr lang="en-US" dirty="0" smtClean="0"/>
-              <a:t>Understand what all </a:t>
-            </a:r>
-            <a:r>
-              <a:rPr lang="en-US" dirty="0" smtClean="0"/>
-              <a:t>the </a:t>
-            </a:r>
-            <a:r>
-              <a:rPr lang="en-US" dirty="0" smtClean="0"/>
-              <a:t>resistors are for</a:t>
+              <a:t>Understand </a:t>
+            </a:r>
+            <a:r>
+              <a:rPr lang="en-US" dirty="0" smtClean="0"/>
+              <a:t>what all the resistors are for</a:t>
             </a:r>
           </a:p>
           <a:p>
             <a:pPr lvl="1"/>
             <a:r>
               <a:rPr lang="en-US" dirty="0" smtClean="0"/>
-              <a:t>Be able to configure </a:t>
-            </a:r>
-            <a:r>
-              <a:rPr lang="en-US" dirty="0" smtClean="0"/>
-              <a:t>and run </a:t>
+              <a:t>Be able to configure and run </a:t>
             </a:r>
             <a:r>
               <a:rPr lang="en-US" dirty="0" err="1" smtClean="0"/>
@@ -6399,20 +9158,11 @@
               <a:rPr lang="en-US" dirty="0" smtClean="0"/>
               <a:t>Program Scratch to control the physical input and output</a:t>
             </a:r>
-            <a:endParaRPr lang="en-US" dirty="0" smtClean="0"/>
-          </a:p>
-          <a:p>
-            <a:r>
-              <a:rPr lang="en-US" dirty="0" smtClean="0"/>
-              <a:t>If time permits / as you desire: look at a game using servos, buttons, LEDs </a:t>
-            </a:r>
-            <a:r>
-              <a:rPr lang="en-US" dirty="0" smtClean="0"/>
-              <a:t>etc. </a:t>
-            </a:r>
-            <a:r>
-              <a:rPr lang="en-US" dirty="0" smtClean="0"/>
-              <a:t>as used on the </a:t>
+          </a:p>
+          <a:p>
+            <a:r>
+              <a:rPr lang="en-US" dirty="0" smtClean="0"/>
+              <a:t>If time permits / as you desire: look at a game using servos, buttons, LEDs etc. as used on the </a:t>
             </a:r>
             <a:r>
               <a:rPr lang="en-US" dirty="0" err="1" smtClean="0"/>
@@ -6633,11 +9383,7 @@
           <a:p>
             <a:r>
               <a:rPr lang="en-US" dirty="0" smtClean="0"/>
-              <a:t>“I want to become an engineer. Do you maybe know an engineer? I would very much like to meet one</a:t>
-            </a:r>
-            <a:r>
-              <a:rPr lang="en-US" dirty="0" smtClean="0"/>
-              <a:t>”</a:t>
+              <a:t>“I want to become an engineer. Do you maybe know an engineer? I would very much like to meet one”</a:t>
             </a:r>
           </a:p>
           <a:p>
@@ -6645,7 +9391,6 @@
               <a:rPr lang="en-US" dirty="0" smtClean="0"/>
               <a:t>Professionals teach children on Sundays about their job. Large variety of topics.</a:t>
             </a:r>
-            <a:endParaRPr lang="en-US" dirty="0" smtClean="0"/>
           </a:p>
           <a:p>
             <a:r>
@@ -6656,13 +9401,8 @@
           <a:p>
             <a:r>
               <a:rPr lang="en-US" dirty="0" smtClean="0"/>
-              <a:t>Curriculum lasts for 2.5 to 3 </a:t>
-            </a:r>
-            <a:r>
-              <a:rPr lang="en-US" dirty="0" smtClean="0"/>
-              <a:t>years</a:t>
-            </a:r>
-            <a:endParaRPr lang="en-US" dirty="0" smtClean="0"/>
+              <a:t>Curriculum lasts for 2.5 to 3 years</a:t>
+            </a:r>
           </a:p>
           <a:p>
             <a:r>
@@ -6673,11 +9413,7 @@
           <a:p>
             <a:r>
               <a:rPr lang="en-US" dirty="0" smtClean="0"/>
-              <a:t>Funded by 110+ sponsors (companies, individuals, foundations</a:t>
-            </a:r>
-            <a:r>
-              <a:rPr lang="en-US" dirty="0" smtClean="0"/>
-              <a:t>).</a:t>
+              <a:t>Funded by 110+ sponsors (companies, individuals, foundations).</a:t>
             </a:r>
           </a:p>
           <a:p>
@@ -6689,11 +9425,7 @@
           <a:p>
             <a:r>
               <a:rPr lang="en-US" dirty="0" smtClean="0"/>
-              <a:t>It works! </a:t>
-            </a:r>
-            <a:r>
-              <a:rPr lang="en-US" dirty="0" smtClean="0"/>
-              <a:t>Data shows: alumni have better professional prospects, are more self-aware, and feel more connected with society.</a:t>
+              <a:t>It works! Data shows: alumni have better professional prospects, are more self-aware, and feel more connected with society.</a:t>
             </a:r>
           </a:p>
           <a:p>
@@ -7317,11 +10049,7 @@
             <a:pPr lvl="1"/>
             <a:r>
               <a:rPr lang="en-US" dirty="0" smtClean="0"/>
-              <a:t>If you think there is no need then please tell us and we will </a:t>
-            </a:r>
-            <a:r>
-              <a:rPr lang="en-US" dirty="0" smtClean="0"/>
-              <a:t>explain</a:t>
+              <a:t>If you think there is no need then please tell us and we will explain</a:t>
             </a:r>
             <a:br>
               <a:rPr lang="en-US" dirty="0" smtClean="0"/>
@@ -7330,7 +10058,6 @@
               <a:rPr lang="en-US" dirty="0" smtClean="0"/>
               <a:t>what the reason is (with one exception).</a:t>
             </a:r>
-            <a:endParaRPr lang="en-US" dirty="0" smtClean="0"/>
           </a:p>
           <a:p>
             <a:r>
@@ -7355,7 +10082,6 @@
               <a:rPr lang="en-US" dirty="0" smtClean="0"/>
               <a:t> (just close the window)</a:t>
             </a:r>
-            <a:endParaRPr lang="en-US" dirty="0" smtClean="0"/>
           </a:p>
           <a:p>
             <a:pPr marL="711200" lvl="1" indent="-457200">
@@ -7364,11 +10090,7 @@
             </a:pPr>
             <a:r>
               <a:rPr lang="en-US" dirty="0" smtClean="0"/>
-              <a:t>Detach the USB </a:t>
-            </a:r>
-            <a:r>
-              <a:rPr lang="en-US" dirty="0" smtClean="0"/>
-              <a:t>cable from the </a:t>
+              <a:t>Detach the USB cable from the </a:t>
             </a:r>
             <a:r>
               <a:rPr lang="en-US" dirty="0" err="1" smtClean="0"/>
@@ -7391,15 +10113,7 @@
             </a:pPr>
             <a:r>
               <a:rPr lang="en-US" dirty="0" smtClean="0"/>
-              <a:t>S</a:t>
-            </a:r>
-            <a:r>
-              <a:rPr lang="en-US" dirty="0" smtClean="0"/>
-              <a:t>witch </a:t>
-            </a:r>
-            <a:r>
-              <a:rPr lang="en-US" dirty="0" smtClean="0"/>
-              <a:t>off the 9V power</a:t>
+              <a:t>Switch off the 9V power</a:t>
             </a:r>
           </a:p>
           <a:p>
@@ -7411,26 +10125,13 @@
               <a:rPr lang="en-US" dirty="0" smtClean="0"/>
               <a:t>Check, double check and check again whether the wiring is correct. </a:t>
             </a:r>
-            <a:r>
-              <a:rPr lang="en-US" dirty="0" smtClean="0"/>
-              <a:t/>
-            </a:r>
             <a:br>
               <a:rPr lang="en-US" dirty="0" smtClean="0"/>
             </a:br>
             <a:r>
               <a:rPr lang="en-US" dirty="0" smtClean="0"/>
-              <a:t>You </a:t>
-            </a:r>
-            <a:r>
-              <a:rPr lang="en-US" dirty="0" smtClean="0"/>
-              <a:t>may blow up </a:t>
-            </a:r>
-            <a:r>
-              <a:rPr lang="en-US" dirty="0" smtClean="0"/>
-              <a:t>components when wiring wrongly.</a:t>
-            </a:r>
-            <a:endParaRPr lang="en-US" dirty="0" smtClean="0"/>
+              <a:t>You may blow up components when wiring wrongly.</a:t>
+            </a:r>
           </a:p>
           <a:p>
             <a:pPr marL="711200" lvl="1" indent="-457200">
@@ -7447,30 +10148,14 @@
             </a:r>
             <a:r>
               <a:rPr lang="en-US" dirty="0" smtClean="0"/>
-              <a:t> </a:t>
-            </a:r>
-            <a:r>
-              <a:rPr lang="en-US" dirty="0" smtClean="0"/>
-              <a:t>(4 eyes principle) are </a:t>
-            </a:r>
-            <a:r>
-              <a:rPr lang="en-US" dirty="0" smtClean="0"/>
-              <a:t>convinced the wiring is OK </a:t>
-            </a:r>
-            <a:r>
-              <a:rPr lang="en-US" dirty="0" smtClean="0"/>
-              <a:t/>
+              <a:t> (4 eyes principle) are convinced the wiring is OK </a:t>
             </a:r>
             <a:br>
               <a:rPr lang="en-US" dirty="0" smtClean="0"/>
             </a:br>
             <a:r>
               <a:rPr lang="en-US" dirty="0" smtClean="0"/>
-              <a:t>before </a:t>
-            </a:r>
-            <a:r>
-              <a:rPr lang="en-US" dirty="0" smtClean="0"/>
-              <a:t>turning on power again.</a:t>
+              <a:t>before turning on power again.</a:t>
             </a:r>
           </a:p>
           <a:p>
@@ -7491,13 +10176,8 @@
             </a:r>
             <a:r>
               <a:rPr lang="en-US" dirty="0" smtClean="0"/>
-              <a:t> put anything that is broken back into the </a:t>
-            </a:r>
-            <a:r>
-              <a:rPr lang="en-US" dirty="0" smtClean="0"/>
-              <a:t>box please.</a:t>
-            </a:r>
-            <a:endParaRPr lang="en-US" dirty="0" smtClean="0"/>
+              <a:t> put anything that is broken back into the box please.</a:t>
+            </a:r>
           </a:p>
         </p:txBody>
       </p:sp>
